--- a/paper/figures.pptx
+++ b/paper/figures.pptx
@@ -104,6 +104,11 @@
       </a:defRPr>
     </a:lvl9pPr>
   </p:defaultTextStyle>
+  <p:extLst>
+    <p:ext uri="{EFAFB233-063F-42B5-8137-9DF3F51BA10A}">
+      <p15:sldGuideLst xmlns:p15="http://schemas.microsoft.com/office/powerpoint/2012/main"/>
+    </p:ext>
+  </p:extLst>
 </p:presentation>
 </file>
 
@@ -238,7 +243,7 @@
           <a:p>
             <a:fld id="{0087396F-59F5-478F-BD4D-42B8712F80A2}" type="datetimeFigureOut">
               <a:rPr lang="en-GB" smtClean="0"/>
-              <a:t>26/03/2021</a:t>
+              <a:t>27/03/2021</a:t>
             </a:fld>
             <a:endParaRPr lang="en-GB"/>
           </a:p>
@@ -408,7 +413,7 @@
           <a:p>
             <a:fld id="{0087396F-59F5-478F-BD4D-42B8712F80A2}" type="datetimeFigureOut">
               <a:rPr lang="en-GB" smtClean="0"/>
-              <a:t>26/03/2021</a:t>
+              <a:t>27/03/2021</a:t>
             </a:fld>
             <a:endParaRPr lang="en-GB"/>
           </a:p>
@@ -588,7 +593,7 @@
           <a:p>
             <a:fld id="{0087396F-59F5-478F-BD4D-42B8712F80A2}" type="datetimeFigureOut">
               <a:rPr lang="en-GB" smtClean="0"/>
-              <a:t>26/03/2021</a:t>
+              <a:t>27/03/2021</a:t>
             </a:fld>
             <a:endParaRPr lang="en-GB"/>
           </a:p>
@@ -758,7 +763,7 @@
           <a:p>
             <a:fld id="{0087396F-59F5-478F-BD4D-42B8712F80A2}" type="datetimeFigureOut">
               <a:rPr lang="en-GB" smtClean="0"/>
-              <a:t>26/03/2021</a:t>
+              <a:t>27/03/2021</a:t>
             </a:fld>
             <a:endParaRPr lang="en-GB"/>
           </a:p>
@@ -1002,7 +1007,7 @@
           <a:p>
             <a:fld id="{0087396F-59F5-478F-BD4D-42B8712F80A2}" type="datetimeFigureOut">
               <a:rPr lang="en-GB" smtClean="0"/>
-              <a:t>26/03/2021</a:t>
+              <a:t>27/03/2021</a:t>
             </a:fld>
             <a:endParaRPr lang="en-GB"/>
           </a:p>
@@ -1234,7 +1239,7 @@
           <a:p>
             <a:fld id="{0087396F-59F5-478F-BD4D-42B8712F80A2}" type="datetimeFigureOut">
               <a:rPr lang="en-GB" smtClean="0"/>
-              <a:t>26/03/2021</a:t>
+              <a:t>27/03/2021</a:t>
             </a:fld>
             <a:endParaRPr lang="en-GB"/>
           </a:p>
@@ -1601,7 +1606,7 @@
           <a:p>
             <a:fld id="{0087396F-59F5-478F-BD4D-42B8712F80A2}" type="datetimeFigureOut">
               <a:rPr lang="en-GB" smtClean="0"/>
-              <a:t>26/03/2021</a:t>
+              <a:t>27/03/2021</a:t>
             </a:fld>
             <a:endParaRPr lang="en-GB"/>
           </a:p>
@@ -1719,7 +1724,7 @@
           <a:p>
             <a:fld id="{0087396F-59F5-478F-BD4D-42B8712F80A2}" type="datetimeFigureOut">
               <a:rPr lang="en-GB" smtClean="0"/>
-              <a:t>26/03/2021</a:t>
+              <a:t>27/03/2021</a:t>
             </a:fld>
             <a:endParaRPr lang="en-GB"/>
           </a:p>
@@ -1814,7 +1819,7 @@
           <a:p>
             <a:fld id="{0087396F-59F5-478F-BD4D-42B8712F80A2}" type="datetimeFigureOut">
               <a:rPr lang="en-GB" smtClean="0"/>
-              <a:t>26/03/2021</a:t>
+              <a:t>27/03/2021</a:t>
             </a:fld>
             <a:endParaRPr lang="en-GB"/>
           </a:p>
@@ -2091,7 +2096,7 @@
           <a:p>
             <a:fld id="{0087396F-59F5-478F-BD4D-42B8712F80A2}" type="datetimeFigureOut">
               <a:rPr lang="en-GB" smtClean="0"/>
-              <a:t>26/03/2021</a:t>
+              <a:t>27/03/2021</a:t>
             </a:fld>
             <a:endParaRPr lang="en-GB"/>
           </a:p>
@@ -2348,7 +2353,7 @@
           <a:p>
             <a:fld id="{0087396F-59F5-478F-BD4D-42B8712F80A2}" type="datetimeFigureOut">
               <a:rPr lang="en-GB" smtClean="0"/>
-              <a:t>26/03/2021</a:t>
+              <a:t>27/03/2021</a:t>
             </a:fld>
             <a:endParaRPr lang="en-GB"/>
           </a:p>
@@ -2561,7 +2566,7 @@
           <a:p>
             <a:fld id="{0087396F-59F5-478F-BD4D-42B8712F80A2}" type="datetimeFigureOut">
               <a:rPr lang="en-GB" smtClean="0"/>
-              <a:t>26/03/2021</a:t>
+              <a:t>27/03/2021</a:t>
             </a:fld>
             <a:endParaRPr lang="en-GB"/>
           </a:p>
@@ -3502,7 +3507,7 @@
               <a:rPr lang="fr-FR" sz="1400" i="1" dirty="0">
                 <a:latin typeface="Century Gothic" panose="020B0502020202020204" pitchFamily="34" charset="0"/>
               </a:rPr>
-              <a:t>Model 1 &gt; Model  (p &lt; .042)</a:t>
+              <a:t>Model 1 &gt; Model 2 (p &lt; .042)</a:t>
             </a:r>
           </a:p>
         </p:txBody>
@@ -3625,7 +3630,7 @@
           <p:nvPr>
             <p:extLst>
               <p:ext uri="{D42A27DB-BD31-4B8C-83A1-F6EECF244321}">
-                <p14:modId xmlns:p14="http://schemas.microsoft.com/office/powerpoint/2010/main" val="1141134912"/>
+                <p14:modId xmlns:p14="http://schemas.microsoft.com/office/powerpoint/2010/main" val="762836424"/>
               </p:ext>
             </p:extLst>
           </p:nvPr>
@@ -3865,7 +3870,7 @@
                     <a:p>
                       <a:r>
                         <a:rPr lang="fr-FR" sz="1400" dirty="0"/>
-                        <a:t>289</a:t>
+                        <a:t>318</a:t>
                       </a:r>
                       <a:endParaRPr lang="en-GB" sz="1400" dirty="0"/>
                     </a:p>
@@ -3947,8 +3952,8 @@
                     <a:lstStyle/>
                     <a:p>
                       <a:r>
-                        <a:rPr lang="fr-FR" sz="1400" dirty="0"/>
-                        <a:t>254</a:t>
+                        <a:rPr lang="fr-FR" sz="1400"/>
+                        <a:t>297</a:t>
                       </a:r>
                       <a:endParaRPr lang="en-GB" sz="1400" dirty="0"/>
                     </a:p>

--- a/paper/figures.pptx
+++ b/paper/figures.pptx
@@ -243,7 +243,7 @@
           <a:p>
             <a:fld id="{0087396F-59F5-478F-BD4D-42B8712F80A2}" type="datetimeFigureOut">
               <a:rPr lang="en-GB" smtClean="0"/>
-              <a:t>27/03/2021</a:t>
+              <a:t>01/04/2021</a:t>
             </a:fld>
             <a:endParaRPr lang="en-GB"/>
           </a:p>
@@ -413,7 +413,7 @@
           <a:p>
             <a:fld id="{0087396F-59F5-478F-BD4D-42B8712F80A2}" type="datetimeFigureOut">
               <a:rPr lang="en-GB" smtClean="0"/>
-              <a:t>27/03/2021</a:t>
+              <a:t>01/04/2021</a:t>
             </a:fld>
             <a:endParaRPr lang="en-GB"/>
           </a:p>
@@ -593,7 +593,7 @@
           <a:p>
             <a:fld id="{0087396F-59F5-478F-BD4D-42B8712F80A2}" type="datetimeFigureOut">
               <a:rPr lang="en-GB" smtClean="0"/>
-              <a:t>27/03/2021</a:t>
+              <a:t>01/04/2021</a:t>
             </a:fld>
             <a:endParaRPr lang="en-GB"/>
           </a:p>
@@ -763,7 +763,7 @@
           <a:p>
             <a:fld id="{0087396F-59F5-478F-BD4D-42B8712F80A2}" type="datetimeFigureOut">
               <a:rPr lang="en-GB" smtClean="0"/>
-              <a:t>27/03/2021</a:t>
+              <a:t>01/04/2021</a:t>
             </a:fld>
             <a:endParaRPr lang="en-GB"/>
           </a:p>
@@ -1007,7 +1007,7 @@
           <a:p>
             <a:fld id="{0087396F-59F5-478F-BD4D-42B8712F80A2}" type="datetimeFigureOut">
               <a:rPr lang="en-GB" smtClean="0"/>
-              <a:t>27/03/2021</a:t>
+              <a:t>01/04/2021</a:t>
             </a:fld>
             <a:endParaRPr lang="en-GB"/>
           </a:p>
@@ -1239,7 +1239,7 @@
           <a:p>
             <a:fld id="{0087396F-59F5-478F-BD4D-42B8712F80A2}" type="datetimeFigureOut">
               <a:rPr lang="en-GB" smtClean="0"/>
-              <a:t>27/03/2021</a:t>
+              <a:t>01/04/2021</a:t>
             </a:fld>
             <a:endParaRPr lang="en-GB"/>
           </a:p>
@@ -1606,7 +1606,7 @@
           <a:p>
             <a:fld id="{0087396F-59F5-478F-BD4D-42B8712F80A2}" type="datetimeFigureOut">
               <a:rPr lang="en-GB" smtClean="0"/>
-              <a:t>27/03/2021</a:t>
+              <a:t>01/04/2021</a:t>
             </a:fld>
             <a:endParaRPr lang="en-GB"/>
           </a:p>
@@ -1724,7 +1724,7 @@
           <a:p>
             <a:fld id="{0087396F-59F5-478F-BD4D-42B8712F80A2}" type="datetimeFigureOut">
               <a:rPr lang="en-GB" smtClean="0"/>
-              <a:t>27/03/2021</a:t>
+              <a:t>01/04/2021</a:t>
             </a:fld>
             <a:endParaRPr lang="en-GB"/>
           </a:p>
@@ -1819,7 +1819,7 @@
           <a:p>
             <a:fld id="{0087396F-59F5-478F-BD4D-42B8712F80A2}" type="datetimeFigureOut">
               <a:rPr lang="en-GB" smtClean="0"/>
-              <a:t>27/03/2021</a:t>
+              <a:t>01/04/2021</a:t>
             </a:fld>
             <a:endParaRPr lang="en-GB"/>
           </a:p>
@@ -2096,7 +2096,7 @@
           <a:p>
             <a:fld id="{0087396F-59F5-478F-BD4D-42B8712F80A2}" type="datetimeFigureOut">
               <a:rPr lang="en-GB" smtClean="0"/>
-              <a:t>27/03/2021</a:t>
+              <a:t>01/04/2021</a:t>
             </a:fld>
             <a:endParaRPr lang="en-GB"/>
           </a:p>
@@ -2353,7 +2353,7 @@
           <a:p>
             <a:fld id="{0087396F-59F5-478F-BD4D-42B8712F80A2}" type="datetimeFigureOut">
               <a:rPr lang="en-GB" smtClean="0"/>
-              <a:t>27/03/2021</a:t>
+              <a:t>01/04/2021</a:t>
             </a:fld>
             <a:endParaRPr lang="en-GB"/>
           </a:p>
@@ -2566,7 +2566,7 @@
           <a:p>
             <a:fld id="{0087396F-59F5-478F-BD4D-42B8712F80A2}" type="datetimeFigureOut">
               <a:rPr lang="en-GB" smtClean="0"/>
-              <a:t>27/03/2021</a:t>
+              <a:t>01/04/2021</a:t>
             </a:fld>
             <a:endParaRPr lang="en-GB"/>
           </a:p>
@@ -2985,8 +2985,8 @@
         </p:nvSpPr>
         <p:spPr>
           <a:xfrm>
-            <a:off x="110598" y="6224787"/>
-            <a:ext cx="3534302" cy="1794164"/>
+            <a:off x="71883" y="6495055"/>
+            <a:ext cx="4035840" cy="1794164"/>
           </a:xfrm>
           <a:prstGeom prst="rect">
             <a:avLst/>
@@ -3016,7 +3016,7 @@
           <a:p>
             <a:pPr algn="ctr"/>
             <a:r>
-              <a:rPr lang="fr-FR" sz="2400" b="1" dirty="0" err="1">
+              <a:rPr lang="fr-FR" sz="2800" b="1" dirty="0" err="1">
                 <a:solidFill>
                   <a:srgbClr val="CD00B4"/>
                 </a:solidFill>
@@ -3025,7 +3025,7 @@
               <a:t>model_performance</a:t>
             </a:r>
             <a:r>
-              <a:rPr lang="fr-FR" sz="2400" b="1" dirty="0">
+              <a:rPr lang="fr-FR" sz="2800" b="1" dirty="0">
                 <a:solidFill>
                   <a:srgbClr val="CD00B4"/>
                 </a:solidFill>
@@ -3040,7 +3040,7 @@
               <a:buChar char="ü"/>
             </a:pPr>
             <a:r>
-              <a:rPr lang="fr-FR" sz="1400" i="1" dirty="0">
+              <a:rPr lang="fr-FR" i="1" dirty="0">
                 <a:latin typeface="Century Gothic" panose="020B0502020202020204" pitchFamily="34" charset="0"/>
               </a:rPr>
               <a:t>AIC</a:t>
@@ -3052,7 +3052,7 @@
               <a:buChar char="ü"/>
             </a:pPr>
             <a:r>
-              <a:rPr lang="fr-FR" sz="1400" i="1" dirty="0">
+              <a:rPr lang="fr-FR" i="1" dirty="0">
                 <a:latin typeface="Century Gothic" panose="020B0502020202020204" pitchFamily="34" charset="0"/>
               </a:rPr>
               <a:t>BIC</a:t>
@@ -3064,7 +3064,7 @@
               <a:buChar char="ü"/>
             </a:pPr>
             <a:r>
-              <a:rPr lang="fr-FR" sz="1400" i="1" dirty="0">
+              <a:rPr lang="fr-FR" i="1" dirty="0">
                 <a:latin typeface="Century Gothic" panose="020B0502020202020204" pitchFamily="34" charset="0"/>
               </a:rPr>
               <a:t>ICC</a:t>
@@ -3076,7 +3076,7 @@
               <a:buChar char="ü"/>
             </a:pPr>
             <a:r>
-              <a:rPr lang="fr-FR" sz="1400" i="1" dirty="0">
+              <a:rPr lang="fr-FR" i="1" dirty="0">
                 <a:latin typeface="Century Gothic" panose="020B0502020202020204" pitchFamily="34" charset="0"/>
               </a:rPr>
               <a:t>R2</a:t>
@@ -3088,7 +3088,7 @@
               <a:buChar char="ü"/>
             </a:pPr>
             <a:r>
-              <a:rPr lang="fr-FR" sz="1400" i="1" dirty="0">
+              <a:rPr lang="fr-FR" i="1" dirty="0">
                 <a:latin typeface="Century Gothic" panose="020B0502020202020204" pitchFamily="34" charset="0"/>
               </a:rPr>
               <a:t>RMSE</a:t>
@@ -3100,12 +3100,12 @@
               <a:buChar char="ü"/>
             </a:pPr>
             <a:r>
-              <a:rPr lang="fr-FR" sz="1400" i="1" dirty="0">
+              <a:rPr lang="fr-FR" i="1" dirty="0">
                 <a:latin typeface="Century Gothic" panose="020B0502020202020204" pitchFamily="34" charset="0"/>
               </a:rPr>
               <a:t>…</a:t>
             </a:r>
-            <a:endParaRPr lang="fr-FR" sz="1200" i="1" dirty="0">
+            <a:endParaRPr lang="fr-FR" sz="1600" i="1" dirty="0">
               <a:latin typeface="Century Gothic" panose="020B0502020202020204" pitchFamily="34" charset="0"/>
             </a:endParaRPr>
           </a:p>
@@ -3223,8 +3223,8 @@
         </p:nvSpPr>
         <p:spPr>
           <a:xfrm>
-            <a:off x="531549" y="3452013"/>
-            <a:ext cx="2692400" cy="2071989"/>
+            <a:off x="334818" y="3452013"/>
+            <a:ext cx="3074467" cy="2071989"/>
           </a:xfrm>
           <a:prstGeom prst="rect">
             <a:avLst/>
@@ -3254,7 +3254,7 @@
           <a:p>
             <a:pPr algn="ctr"/>
             <a:r>
-              <a:rPr lang="fr-FR" sz="2400" b="1" dirty="0" err="1">
+              <a:rPr lang="fr-FR" sz="2800" b="1" dirty="0" err="1">
                 <a:solidFill>
                   <a:srgbClr val="CD00B4"/>
                 </a:solidFill>
@@ -3263,7 +3263,7 @@
               <a:t>check_model</a:t>
             </a:r>
             <a:r>
-              <a:rPr lang="fr-FR" sz="2400" b="1" dirty="0">
+              <a:rPr lang="fr-FR" sz="2800" b="1" dirty="0">
                 <a:solidFill>
                   <a:srgbClr val="CD00B4"/>
                 </a:solidFill>
@@ -3278,12 +3278,12 @@
               <a:buChar char="ü"/>
             </a:pPr>
             <a:r>
-              <a:rPr lang="fr-FR" sz="1400" i="1" dirty="0" err="1">
+              <a:rPr lang="fr-FR" i="1" dirty="0" err="1">
                 <a:latin typeface="Century Gothic" panose="020B0502020202020204" pitchFamily="34" charset="0"/>
               </a:rPr>
               <a:t>Linearity</a:t>
             </a:r>
-            <a:endParaRPr lang="fr-FR" sz="1400" i="1" dirty="0">
+            <a:endParaRPr lang="fr-FR" i="1" dirty="0">
               <a:latin typeface="Century Gothic" panose="020B0502020202020204" pitchFamily="34" charset="0"/>
             </a:endParaRPr>
           </a:p>
@@ -3293,12 +3293,12 @@
               <a:buChar char="ü"/>
             </a:pPr>
             <a:r>
-              <a:rPr lang="fr-FR" sz="1400" i="1" dirty="0" err="1">
+              <a:rPr lang="fr-FR" i="1" dirty="0" err="1">
                 <a:latin typeface="Century Gothic" panose="020B0502020202020204" pitchFamily="34" charset="0"/>
               </a:rPr>
               <a:t>Homogenity</a:t>
             </a:r>
-            <a:endParaRPr lang="fr-FR" sz="1400" i="1" dirty="0">
+            <a:endParaRPr lang="fr-FR" i="1" dirty="0">
               <a:latin typeface="Century Gothic" panose="020B0502020202020204" pitchFamily="34" charset="0"/>
             </a:endParaRPr>
           </a:p>
@@ -3308,12 +3308,12 @@
               <a:buChar char="ü"/>
             </a:pPr>
             <a:r>
-              <a:rPr lang="fr-FR" sz="1400" i="1" dirty="0" err="1">
+              <a:rPr lang="fr-FR" i="1" dirty="0" err="1">
                 <a:latin typeface="Century Gothic" panose="020B0502020202020204" pitchFamily="34" charset="0"/>
               </a:rPr>
               <a:t>Heteroscedasticity</a:t>
             </a:r>
-            <a:endParaRPr lang="fr-FR" sz="1400" i="1" dirty="0">
+            <a:endParaRPr lang="fr-FR" i="1" dirty="0">
               <a:latin typeface="Century Gothic" panose="020B0502020202020204" pitchFamily="34" charset="0"/>
             </a:endParaRPr>
           </a:p>
@@ -3323,12 +3323,12 @@
               <a:buChar char="ü"/>
             </a:pPr>
             <a:r>
-              <a:rPr lang="fr-FR" sz="1400" i="1" dirty="0" err="1">
+              <a:rPr lang="fr-FR" i="1" dirty="0" err="1">
                 <a:latin typeface="Century Gothic" panose="020B0502020202020204" pitchFamily="34" charset="0"/>
               </a:rPr>
               <a:t>Collinearity</a:t>
             </a:r>
-            <a:endParaRPr lang="fr-FR" sz="1400" i="1" dirty="0">
+            <a:endParaRPr lang="fr-FR" i="1" dirty="0">
               <a:latin typeface="Century Gothic" panose="020B0502020202020204" pitchFamily="34" charset="0"/>
             </a:endParaRPr>
           </a:p>
@@ -3338,12 +3338,12 @@
               <a:buChar char="ü"/>
             </a:pPr>
             <a:r>
-              <a:rPr lang="fr-FR" sz="1400" i="1" dirty="0" err="1">
+              <a:rPr lang="fr-FR" i="1" dirty="0" err="1">
                 <a:latin typeface="Century Gothic" panose="020B0502020202020204" pitchFamily="34" charset="0"/>
               </a:rPr>
               <a:t>Outliers</a:t>
             </a:r>
-            <a:endParaRPr lang="fr-FR" sz="1400" i="1" dirty="0">
+            <a:endParaRPr lang="fr-FR" i="1" dirty="0">
               <a:latin typeface="Century Gothic" panose="020B0502020202020204" pitchFamily="34" charset="0"/>
             </a:endParaRPr>
           </a:p>
@@ -3353,12 +3353,12 @@
               <a:buChar char="ü"/>
             </a:pPr>
             <a:r>
-              <a:rPr lang="fr-FR" sz="1400" i="1" dirty="0">
+              <a:rPr lang="fr-FR" i="1" dirty="0">
                 <a:latin typeface="Century Gothic" panose="020B0502020202020204" pitchFamily="34" charset="0"/>
               </a:rPr>
               <a:t>…</a:t>
             </a:r>
-            <a:endParaRPr lang="en-GB" sz="1400" i="1" dirty="0">
+            <a:endParaRPr lang="en-GB" i="1" dirty="0">
               <a:latin typeface="Century Gothic" panose="020B0502020202020204" pitchFamily="34" charset="0"/>
             </a:endParaRPr>
           </a:p>
@@ -3409,7 +3409,7 @@
           <a:p>
             <a:pPr algn="ctr"/>
             <a:r>
-              <a:rPr lang="fr-FR" sz="2000" b="1" dirty="0" err="1">
+              <a:rPr lang="fr-FR" sz="2400" b="1" dirty="0" err="1">
                 <a:solidFill>
                   <a:srgbClr val="CD00B4"/>
                 </a:solidFill>
@@ -3418,7 +3418,7 @@
               <a:t>compare_performance</a:t>
             </a:r>
             <a:r>
-              <a:rPr lang="fr-FR" sz="2000" b="1" dirty="0">
+              <a:rPr lang="fr-FR" sz="2400" b="1" dirty="0">
                 <a:solidFill>
                   <a:srgbClr val="CD00B4"/>
                 </a:solidFill>
@@ -3426,7 +3426,7 @@
               </a:rPr>
               <a:t>()</a:t>
             </a:r>
-            <a:endParaRPr lang="en-GB" sz="2000" b="1" dirty="0">
+            <a:endParaRPr lang="en-GB" sz="2400" b="1" dirty="0">
               <a:solidFill>
                 <a:srgbClr val="CD00B4"/>
               </a:solidFill>
@@ -3480,7 +3480,7 @@
           <a:p>
             <a:pPr algn="ctr"/>
             <a:r>
-              <a:rPr lang="fr-FR" sz="2000" b="1" dirty="0" err="1">
+              <a:rPr lang="fr-FR" sz="2400" b="1" dirty="0" err="1">
                 <a:solidFill>
                   <a:srgbClr val="CD00B4"/>
                 </a:solidFill>
@@ -3489,7 +3489,7 @@
               <a:t>test_performance</a:t>
             </a:r>
             <a:r>
-              <a:rPr lang="fr-FR" sz="2000" b="1" dirty="0">
+              <a:rPr lang="fr-FR" sz="2400" b="1" dirty="0">
                 <a:solidFill>
                   <a:srgbClr val="CD00B4"/>
                 </a:solidFill>
@@ -3499,12 +3499,9 @@
             </a:r>
           </a:p>
           <a:p>
-            <a:pPr marL="342900" indent="-342900" algn="ctr">
-              <a:buFont typeface="Wingdings" panose="05000000000000000000" pitchFamily="2" charset="2"/>
-              <a:buChar char="ü"/>
-            </a:pPr>
-            <a:r>
-              <a:rPr lang="fr-FR" sz="1400" i="1" dirty="0">
+            <a:pPr algn="ctr"/>
+            <a:r>
+              <a:rPr lang="fr-FR" i="1" dirty="0">
                 <a:latin typeface="Century Gothic" panose="020B0502020202020204" pitchFamily="34" charset="0"/>
               </a:rPr>
               <a:t>Model 1 &gt; Model 2 (p &lt; .042)</a:t>
@@ -3998,8 +3995,8 @@
         </p:nvSpPr>
         <p:spPr>
           <a:xfrm>
-            <a:off x="7045624" y="6224787"/>
-            <a:ext cx="3534302" cy="1794164"/>
+            <a:off x="6947003" y="6495055"/>
+            <a:ext cx="4035840" cy="1794164"/>
           </a:xfrm>
           <a:prstGeom prst="rect">
             <a:avLst/>
@@ -4029,7 +4026,7 @@
           <a:p>
             <a:pPr algn="ctr"/>
             <a:r>
-              <a:rPr lang="fr-FR" sz="2400" b="1" dirty="0" err="1">
+              <a:rPr lang="fr-FR" sz="2800" b="1" dirty="0" err="1">
                 <a:solidFill>
                   <a:srgbClr val="CD00B4"/>
                 </a:solidFill>
@@ -4038,7 +4035,7 @@
               <a:t>model_performance</a:t>
             </a:r>
             <a:r>
-              <a:rPr lang="fr-FR" sz="2400" b="1" dirty="0">
+              <a:rPr lang="fr-FR" sz="2800" b="1" dirty="0">
                 <a:solidFill>
                   <a:srgbClr val="CD00B4"/>
                 </a:solidFill>
@@ -4053,7 +4050,7 @@
               <a:buChar char="ü"/>
             </a:pPr>
             <a:r>
-              <a:rPr lang="fr-FR" sz="1400" i="1" dirty="0">
+              <a:rPr lang="fr-FR" i="1" dirty="0">
                 <a:latin typeface="Century Gothic" panose="020B0502020202020204" pitchFamily="34" charset="0"/>
               </a:rPr>
               <a:t>AIC</a:t>
@@ -4065,7 +4062,7 @@
               <a:buChar char="ü"/>
             </a:pPr>
             <a:r>
-              <a:rPr lang="fr-FR" sz="1400" i="1" dirty="0">
+              <a:rPr lang="fr-FR" i="1" dirty="0">
                 <a:latin typeface="Century Gothic" panose="020B0502020202020204" pitchFamily="34" charset="0"/>
               </a:rPr>
               <a:t>BIC</a:t>
@@ -4077,7 +4074,7 @@
               <a:buChar char="ü"/>
             </a:pPr>
             <a:r>
-              <a:rPr lang="fr-FR" sz="1400" i="1" dirty="0">
+              <a:rPr lang="fr-FR" i="1" dirty="0">
                 <a:latin typeface="Century Gothic" panose="020B0502020202020204" pitchFamily="34" charset="0"/>
               </a:rPr>
               <a:t>ICC</a:t>
@@ -4089,7 +4086,7 @@
               <a:buChar char="ü"/>
             </a:pPr>
             <a:r>
-              <a:rPr lang="fr-FR" sz="1400" i="1" dirty="0">
+              <a:rPr lang="fr-FR" i="1" dirty="0">
                 <a:latin typeface="Century Gothic" panose="020B0502020202020204" pitchFamily="34" charset="0"/>
               </a:rPr>
               <a:t>R2</a:t>
@@ -4101,7 +4098,7 @@
               <a:buChar char="ü"/>
             </a:pPr>
             <a:r>
-              <a:rPr lang="fr-FR" sz="1400" i="1" dirty="0">
+              <a:rPr lang="fr-FR" i="1" dirty="0">
                 <a:latin typeface="Century Gothic" panose="020B0502020202020204" pitchFamily="34" charset="0"/>
               </a:rPr>
               <a:t>RMSE</a:t>
@@ -4113,12 +4110,12 @@
               <a:buChar char="ü"/>
             </a:pPr>
             <a:r>
-              <a:rPr lang="fr-FR" sz="1400" i="1" dirty="0">
+              <a:rPr lang="fr-FR" i="1" dirty="0">
                 <a:latin typeface="Century Gothic" panose="020B0502020202020204" pitchFamily="34" charset="0"/>
               </a:rPr>
               <a:t>…</a:t>
             </a:r>
-            <a:endParaRPr lang="fr-FR" sz="1200" i="1" dirty="0">
+            <a:endParaRPr lang="fr-FR" sz="1600" i="1" dirty="0">
               <a:latin typeface="Century Gothic" panose="020B0502020202020204" pitchFamily="34" charset="0"/>
             </a:endParaRPr>
           </a:p>
@@ -4236,8 +4233,8 @@
         </p:nvSpPr>
         <p:spPr>
           <a:xfrm>
-            <a:off x="7466575" y="3452013"/>
-            <a:ext cx="2692400" cy="2071989"/>
+            <a:off x="7275541" y="3459181"/>
+            <a:ext cx="3074467" cy="2071989"/>
           </a:xfrm>
           <a:prstGeom prst="rect">
             <a:avLst/>
@@ -4267,7 +4264,7 @@
           <a:p>
             <a:pPr algn="ctr"/>
             <a:r>
-              <a:rPr lang="fr-FR" sz="2400" b="1" dirty="0" err="1">
+              <a:rPr lang="fr-FR" sz="2800" b="1" dirty="0" err="1">
                 <a:solidFill>
                   <a:srgbClr val="CD00B4"/>
                 </a:solidFill>
@@ -4276,7 +4273,7 @@
               <a:t>check_model</a:t>
             </a:r>
             <a:r>
-              <a:rPr lang="fr-FR" sz="2400" b="1" dirty="0">
+              <a:rPr lang="fr-FR" sz="2800" b="1" dirty="0">
                 <a:solidFill>
                   <a:srgbClr val="CD00B4"/>
                 </a:solidFill>
@@ -4291,12 +4288,12 @@
               <a:buChar char="ü"/>
             </a:pPr>
             <a:r>
-              <a:rPr lang="fr-FR" sz="1400" i="1" dirty="0" err="1">
+              <a:rPr lang="fr-FR" i="1" dirty="0" err="1">
                 <a:latin typeface="Century Gothic" panose="020B0502020202020204" pitchFamily="34" charset="0"/>
               </a:rPr>
               <a:t>Linearity</a:t>
             </a:r>
-            <a:endParaRPr lang="fr-FR" sz="1400" i="1" dirty="0">
+            <a:endParaRPr lang="fr-FR" i="1" dirty="0">
               <a:latin typeface="Century Gothic" panose="020B0502020202020204" pitchFamily="34" charset="0"/>
             </a:endParaRPr>
           </a:p>
@@ -4306,12 +4303,12 @@
               <a:buChar char="ü"/>
             </a:pPr>
             <a:r>
-              <a:rPr lang="fr-FR" sz="1400" i="1" dirty="0" err="1">
+              <a:rPr lang="fr-FR" i="1" dirty="0" err="1">
                 <a:latin typeface="Century Gothic" panose="020B0502020202020204" pitchFamily="34" charset="0"/>
               </a:rPr>
               <a:t>Homogenity</a:t>
             </a:r>
-            <a:endParaRPr lang="fr-FR" sz="1400" i="1" dirty="0">
+            <a:endParaRPr lang="fr-FR" i="1" dirty="0">
               <a:latin typeface="Century Gothic" panose="020B0502020202020204" pitchFamily="34" charset="0"/>
             </a:endParaRPr>
           </a:p>
@@ -4321,12 +4318,12 @@
               <a:buChar char="ü"/>
             </a:pPr>
             <a:r>
-              <a:rPr lang="fr-FR" sz="1400" i="1" dirty="0" err="1">
+              <a:rPr lang="fr-FR" i="1" dirty="0" err="1">
                 <a:latin typeface="Century Gothic" panose="020B0502020202020204" pitchFamily="34" charset="0"/>
               </a:rPr>
               <a:t>Heteroscedasticity</a:t>
             </a:r>
-            <a:endParaRPr lang="fr-FR" sz="1400" i="1" dirty="0">
+            <a:endParaRPr lang="fr-FR" i="1" dirty="0">
               <a:latin typeface="Century Gothic" panose="020B0502020202020204" pitchFamily="34" charset="0"/>
             </a:endParaRPr>
           </a:p>
@@ -4336,12 +4333,12 @@
               <a:buChar char="ü"/>
             </a:pPr>
             <a:r>
-              <a:rPr lang="fr-FR" sz="1400" i="1" dirty="0" err="1">
+              <a:rPr lang="fr-FR" i="1" dirty="0" err="1">
                 <a:latin typeface="Century Gothic" panose="020B0502020202020204" pitchFamily="34" charset="0"/>
               </a:rPr>
               <a:t>Collinearity</a:t>
             </a:r>
-            <a:endParaRPr lang="fr-FR" sz="1400" i="1" dirty="0">
+            <a:endParaRPr lang="fr-FR" i="1" dirty="0">
               <a:latin typeface="Century Gothic" panose="020B0502020202020204" pitchFamily="34" charset="0"/>
             </a:endParaRPr>
           </a:p>
@@ -4351,12 +4348,12 @@
               <a:buChar char="ü"/>
             </a:pPr>
             <a:r>
-              <a:rPr lang="fr-FR" sz="1400" i="1" dirty="0" err="1">
+              <a:rPr lang="fr-FR" i="1" dirty="0" err="1">
                 <a:latin typeface="Century Gothic" panose="020B0502020202020204" pitchFamily="34" charset="0"/>
               </a:rPr>
               <a:t>Outliers</a:t>
             </a:r>
-            <a:endParaRPr lang="fr-FR" sz="1400" i="1" dirty="0">
+            <a:endParaRPr lang="fr-FR" i="1" dirty="0">
               <a:latin typeface="Century Gothic" panose="020B0502020202020204" pitchFamily="34" charset="0"/>
             </a:endParaRPr>
           </a:p>
@@ -4366,12 +4363,12 @@
               <a:buChar char="ü"/>
             </a:pPr>
             <a:r>
-              <a:rPr lang="fr-FR" sz="1400" i="1" dirty="0">
+              <a:rPr lang="fr-FR" i="1" dirty="0">
                 <a:latin typeface="Century Gothic" panose="020B0502020202020204" pitchFamily="34" charset="0"/>
               </a:rPr>
               <a:t>…</a:t>
             </a:r>
-            <a:endParaRPr lang="en-GB" sz="1400" i="1" dirty="0">
+            <a:endParaRPr lang="en-GB" i="1" dirty="0">
               <a:latin typeface="Century Gothic" panose="020B0502020202020204" pitchFamily="34" charset="0"/>
             </a:endParaRPr>
           </a:p>
@@ -4395,8 +4392,8 @@
         </p:nvCxnSpPr>
         <p:spPr>
           <a:xfrm flipH="1">
-            <a:off x="1877749" y="2378597"/>
-            <a:ext cx="1" cy="1073416"/>
+            <a:off x="1872052" y="2378597"/>
+            <a:ext cx="0" cy="1073416"/>
           </a:xfrm>
           <a:prstGeom prst="straightConnector1">
             <a:avLst/>
@@ -4523,11 +4520,14 @@
         </p:nvSpPr>
         <p:spPr>
           <a:xfrm>
-            <a:off x="2089803" y="6495336"/>
-            <a:ext cx="3240000" cy="1794164"/>
+            <a:off x="2089803" y="6597418"/>
+            <a:ext cx="3240000" cy="1692082"/>
           </a:xfrm>
           <a:prstGeom prst="arc">
-            <a:avLst/>
+            <a:avLst>
+              <a:gd name="adj1" fmla="val 17318132"/>
+              <a:gd name="adj2" fmla="val 0"/>
+            </a:avLst>
           </a:prstGeom>
           <a:ln w="28575">
             <a:headEnd type="triangle" w="med" len="med"/>
@@ -4576,7 +4576,7 @@
         <p:spPr>
           <a:xfrm flipH="1">
             <a:off x="8812775" y="2375951"/>
-            <a:ext cx="1" cy="1076062"/>
+            <a:ext cx="1" cy="1083230"/>
           </a:xfrm>
           <a:prstGeom prst="straightConnector1">
             <a:avLst/>
@@ -4703,11 +4703,14 @@
         </p:nvSpPr>
         <p:spPr>
           <a:xfrm flipH="1">
-            <a:off x="5329803" y="6495336"/>
-            <a:ext cx="3240000" cy="1794164"/>
+            <a:off x="5329803" y="6597418"/>
+            <a:ext cx="3240000" cy="1692082"/>
           </a:xfrm>
           <a:prstGeom prst="arc">
-            <a:avLst/>
+            <a:avLst>
+              <a:gd name="adj1" fmla="val 16678524"/>
+              <a:gd name="adj2" fmla="val 0"/>
+            </a:avLst>
           </a:prstGeom>
           <a:ln w="28575">
             <a:headEnd type="triangle" w="med" len="med"/>

--- a/paper/figures.pptx
+++ b/paper/figures.pptx
@@ -6,6 +6,7 @@
   </p:sldMasterIdLst>
   <p:sldIdLst>
     <p:sldId id="256" r:id="rId2"/>
+    <p:sldId id="257" r:id="rId3"/>
   </p:sldIdLst>
   <p:sldSz cx="10799763" cy="8999538"/>
   <p:notesSz cx="6858000" cy="9144000"/>
@@ -3627,7 +3628,7 @@
           <p:nvPr>
             <p:extLst>
               <p:ext uri="{D42A27DB-BD31-4B8C-83A1-F6EECF244321}">
-                <p14:modId xmlns:p14="http://schemas.microsoft.com/office/powerpoint/2010/main" val="762836424"/>
+                <p14:modId xmlns:p14="http://schemas.microsoft.com/office/powerpoint/2010/main" val="3572483953"/>
               </p:ext>
             </p:extLst>
           </p:nvPr>
@@ -4753,6 +4754,1751 @@
 </p:sld>
 </file>
 
+<file path=ppt/slides/slide2.xml><?xml version="1.0" encoding="utf-8"?>
+<p:sld xmlns:a="http://schemas.openxmlformats.org/drawingml/2006/main" xmlns:r="http://schemas.openxmlformats.org/officeDocument/2006/relationships" xmlns:p="http://schemas.openxmlformats.org/presentationml/2006/main">
+  <p:cSld>
+    <p:spTree>
+      <p:nvGrpSpPr>
+        <p:cNvPr id="1" name=""/>
+        <p:cNvGrpSpPr/>
+        <p:nvPr/>
+      </p:nvGrpSpPr>
+      <p:grpSpPr>
+        <a:xfrm>
+          <a:off x="0" y="0"/>
+          <a:ext cx="0" cy="0"/>
+          <a:chOff x="0" y="0"/>
+          <a:chExt cx="0" cy="0"/>
+        </a:xfrm>
+      </p:grpSpPr>
+      <p:sp>
+        <p:nvSpPr>
+          <p:cNvPr id="4" name="Rectangle 3">
+            <a:extLst>
+              <a:ext uri="{FF2B5EF4-FFF2-40B4-BE49-F238E27FC236}">
+                <a16:creationId xmlns:a16="http://schemas.microsoft.com/office/drawing/2014/main" id="{007ABF4B-3686-4D07-AE1F-7D9E059F4843}"/>
+              </a:ext>
+            </a:extLst>
+          </p:cNvPr>
+          <p:cNvSpPr/>
+          <p:nvPr/>
+        </p:nvSpPr>
+        <p:spPr>
+          <a:xfrm>
+            <a:off x="-26973" y="6495055"/>
+            <a:ext cx="4035840" cy="1794164"/>
+          </a:xfrm>
+          <a:prstGeom prst="rect">
+            <a:avLst/>
+          </a:prstGeom>
+          <a:noFill/>
+          <a:ln>
+            <a:noFill/>
+          </a:ln>
+        </p:spPr>
+        <p:style>
+          <a:lnRef idx="0">
+            <a:scrgbClr r="0" g="0" b="0"/>
+          </a:lnRef>
+          <a:fillRef idx="0">
+            <a:scrgbClr r="0" g="0" b="0"/>
+          </a:fillRef>
+          <a:effectRef idx="0">
+            <a:scrgbClr r="0" g="0" b="0"/>
+          </a:effectRef>
+          <a:fontRef idx="minor">
+            <a:schemeClr val="dk1"/>
+          </a:fontRef>
+        </p:style>
+        <p:txBody>
+          <a:bodyPr rtlCol="0" anchor="ctr"/>
+          <a:lstStyle/>
+          <a:p>
+            <a:pPr algn="ctr"/>
+            <a:r>
+              <a:rPr lang="fr-FR" sz="2800" b="1" dirty="0" err="1">
+                <a:solidFill>
+                  <a:srgbClr val="CD00B4"/>
+                </a:solidFill>
+                <a:latin typeface="Consolas" panose="020B0609020204030204" pitchFamily="49" charset="0"/>
+              </a:rPr>
+              <a:t>model_performance</a:t>
+            </a:r>
+            <a:r>
+              <a:rPr lang="fr-FR" sz="2800" b="1" dirty="0">
+                <a:solidFill>
+                  <a:srgbClr val="CD00B4"/>
+                </a:solidFill>
+                <a:latin typeface="Consolas" panose="020B0609020204030204" pitchFamily="49" charset="0"/>
+              </a:rPr>
+              <a:t>()</a:t>
+            </a:r>
+          </a:p>
+          <a:p>
+            <a:pPr marL="800100" lvl="1" indent="-342900">
+              <a:buFont typeface="Wingdings" panose="05000000000000000000" pitchFamily="2" charset="2"/>
+              <a:buChar char="ü"/>
+            </a:pPr>
+            <a:r>
+              <a:rPr lang="fr-FR" i="1" dirty="0">
+                <a:latin typeface="Century Gothic" panose="020B0502020202020204" pitchFamily="34" charset="0"/>
+              </a:rPr>
+              <a:t>AIC</a:t>
+            </a:r>
+          </a:p>
+          <a:p>
+            <a:pPr marL="800100" lvl="1" indent="-342900">
+              <a:buFont typeface="Wingdings" panose="05000000000000000000" pitchFamily="2" charset="2"/>
+              <a:buChar char="ü"/>
+            </a:pPr>
+            <a:r>
+              <a:rPr lang="fr-FR" i="1" dirty="0">
+                <a:latin typeface="Century Gothic" panose="020B0502020202020204" pitchFamily="34" charset="0"/>
+              </a:rPr>
+              <a:t>BIC</a:t>
+            </a:r>
+          </a:p>
+          <a:p>
+            <a:pPr marL="800100" lvl="1" indent="-342900">
+              <a:buFont typeface="Wingdings" panose="05000000000000000000" pitchFamily="2" charset="2"/>
+              <a:buChar char="ü"/>
+            </a:pPr>
+            <a:r>
+              <a:rPr lang="fr-FR" i="1" dirty="0">
+                <a:latin typeface="Century Gothic" panose="020B0502020202020204" pitchFamily="34" charset="0"/>
+              </a:rPr>
+              <a:t>ICC</a:t>
+            </a:r>
+          </a:p>
+          <a:p>
+            <a:pPr marL="800100" lvl="1" indent="-342900">
+              <a:buFont typeface="Wingdings" panose="05000000000000000000" pitchFamily="2" charset="2"/>
+              <a:buChar char="ü"/>
+            </a:pPr>
+            <a:r>
+              <a:rPr lang="fr-FR" i="1" dirty="0">
+                <a:latin typeface="Century Gothic" panose="020B0502020202020204" pitchFamily="34" charset="0"/>
+              </a:rPr>
+              <a:t>R2</a:t>
+            </a:r>
+          </a:p>
+          <a:p>
+            <a:pPr marL="800100" lvl="1" indent="-342900">
+              <a:buFont typeface="Wingdings" panose="05000000000000000000" pitchFamily="2" charset="2"/>
+              <a:buChar char="ü"/>
+            </a:pPr>
+            <a:r>
+              <a:rPr lang="fr-FR" i="1" dirty="0">
+                <a:latin typeface="Century Gothic" panose="020B0502020202020204" pitchFamily="34" charset="0"/>
+              </a:rPr>
+              <a:t>RMSE</a:t>
+            </a:r>
+          </a:p>
+          <a:p>
+            <a:pPr marL="800100" lvl="1" indent="-342900">
+              <a:buFont typeface="Wingdings" panose="05000000000000000000" pitchFamily="2" charset="2"/>
+              <a:buChar char="ü"/>
+            </a:pPr>
+            <a:r>
+              <a:rPr lang="fr-FR" i="1" dirty="0">
+                <a:latin typeface="Century Gothic" panose="020B0502020202020204" pitchFamily="34" charset="0"/>
+              </a:rPr>
+              <a:t>…</a:t>
+            </a:r>
+            <a:endParaRPr lang="fr-FR" sz="1600" i="1" dirty="0">
+              <a:latin typeface="Century Gothic" panose="020B0502020202020204" pitchFamily="34" charset="0"/>
+            </a:endParaRPr>
+          </a:p>
+        </p:txBody>
+      </p:sp>
+      <p:sp>
+        <p:nvSpPr>
+          <p:cNvPr id="6" name="Rectangle 5">
+            <a:extLst>
+              <a:ext uri="{FF2B5EF4-FFF2-40B4-BE49-F238E27FC236}">
+                <a16:creationId xmlns:a16="http://schemas.microsoft.com/office/drawing/2014/main" id="{AB13B61B-7CA9-43C6-A8F0-6C12BF6870C6}"/>
+              </a:ext>
+            </a:extLst>
+          </p:cNvPr>
+          <p:cNvSpPr/>
+          <p:nvPr/>
+        </p:nvSpPr>
+        <p:spPr>
+          <a:xfrm>
+            <a:off x="0" y="1257028"/>
+            <a:ext cx="3755499" cy="1121569"/>
+          </a:xfrm>
+          <a:prstGeom prst="rect">
+            <a:avLst/>
+          </a:prstGeom>
+          <a:noFill/>
+          <a:ln>
+            <a:noFill/>
+          </a:ln>
+        </p:spPr>
+        <p:style>
+          <a:lnRef idx="0">
+            <a:scrgbClr r="0" g="0" b="0"/>
+          </a:lnRef>
+          <a:fillRef idx="0">
+            <a:scrgbClr r="0" g="0" b="0"/>
+          </a:fillRef>
+          <a:effectRef idx="0">
+            <a:scrgbClr r="0" g="0" b="0"/>
+          </a:effectRef>
+          <a:fontRef idx="minor">
+            <a:schemeClr val="dk1"/>
+          </a:fontRef>
+        </p:style>
+        <p:txBody>
+          <a:bodyPr rtlCol="0" anchor="ctr"/>
+          <a:lstStyle/>
+          <a:p>
+            <a:pPr algn="ctr"/>
+            <a:r>
+              <a:rPr lang="fr-FR" sz="2800" b="1" dirty="0">
+                <a:latin typeface="Century Gothic" panose="020B0502020202020204" pitchFamily="34" charset="0"/>
+              </a:rPr>
+              <a:t>Model 1</a:t>
+            </a:r>
+          </a:p>
+          <a:p>
+            <a:pPr algn="ctr"/>
+            <a:r>
+              <a:rPr lang="fr-FR" sz="2400" b="1" dirty="0" err="1">
+                <a:solidFill>
+                  <a:srgbClr val="3ECE50"/>
+                </a:solidFill>
+                <a:latin typeface="Consolas" panose="020B0609020204030204" pitchFamily="49" charset="0"/>
+              </a:rPr>
+              <a:t>glm</a:t>
+            </a:r>
+            <a:r>
+              <a:rPr lang="fr-FR" sz="2400" b="1" dirty="0">
+                <a:solidFill>
+                  <a:srgbClr val="3ECE50"/>
+                </a:solidFill>
+                <a:latin typeface="Consolas" panose="020B0609020204030204" pitchFamily="49" charset="0"/>
+              </a:rPr>
+              <a:t>(</a:t>
+            </a:r>
+            <a:r>
+              <a:rPr lang="fr-FR" sz="2400" b="1" dirty="0" err="1">
+                <a:solidFill>
+                  <a:srgbClr val="3ECE50"/>
+                </a:solidFill>
+                <a:latin typeface="Consolas" panose="020B0609020204030204" pitchFamily="49" charset="0"/>
+              </a:rPr>
+              <a:t>response</a:t>
+            </a:r>
+            <a:r>
+              <a:rPr lang="fr-FR" sz="2400" b="1" dirty="0">
+                <a:solidFill>
+                  <a:srgbClr val="3ECE50"/>
+                </a:solidFill>
+                <a:latin typeface="Consolas" panose="020B0609020204030204" pitchFamily="49" charset="0"/>
+              </a:rPr>
+              <a:t> ~ V1*V2)</a:t>
+            </a:r>
+            <a:endParaRPr lang="en-GB" sz="2400" b="1" dirty="0">
+              <a:solidFill>
+                <a:srgbClr val="3ECE50"/>
+              </a:solidFill>
+              <a:latin typeface="Consolas" panose="020B0609020204030204" pitchFamily="49" charset="0"/>
+            </a:endParaRPr>
+          </a:p>
+        </p:txBody>
+      </p:sp>
+      <p:sp>
+        <p:nvSpPr>
+          <p:cNvPr id="16" name="Rectangle 15">
+            <a:extLst>
+              <a:ext uri="{FF2B5EF4-FFF2-40B4-BE49-F238E27FC236}">
+                <a16:creationId xmlns:a16="http://schemas.microsoft.com/office/drawing/2014/main" id="{128DBC4A-4A9B-4742-9029-FCAF3E7D4E9B}"/>
+              </a:ext>
+            </a:extLst>
+          </p:cNvPr>
+          <p:cNvSpPr/>
+          <p:nvPr/>
+        </p:nvSpPr>
+        <p:spPr>
+          <a:xfrm>
+            <a:off x="334818" y="3452013"/>
+            <a:ext cx="3074467" cy="2071989"/>
+          </a:xfrm>
+          <a:prstGeom prst="rect">
+            <a:avLst/>
+          </a:prstGeom>
+          <a:noFill/>
+          <a:ln>
+            <a:noFill/>
+          </a:ln>
+        </p:spPr>
+        <p:style>
+          <a:lnRef idx="0">
+            <a:scrgbClr r="0" g="0" b="0"/>
+          </a:lnRef>
+          <a:fillRef idx="0">
+            <a:scrgbClr r="0" g="0" b="0"/>
+          </a:fillRef>
+          <a:effectRef idx="0">
+            <a:scrgbClr r="0" g="0" b="0"/>
+          </a:effectRef>
+          <a:fontRef idx="minor">
+            <a:schemeClr val="dk1"/>
+          </a:fontRef>
+        </p:style>
+        <p:txBody>
+          <a:bodyPr rtlCol="0" anchor="ctr"/>
+          <a:lstStyle/>
+          <a:p>
+            <a:pPr algn="ctr"/>
+            <a:r>
+              <a:rPr lang="fr-FR" sz="2800" b="1" dirty="0" err="1">
+                <a:solidFill>
+                  <a:srgbClr val="CD00B4"/>
+                </a:solidFill>
+                <a:latin typeface="Consolas" panose="020B0609020204030204" pitchFamily="49" charset="0"/>
+              </a:rPr>
+              <a:t>check_model</a:t>
+            </a:r>
+            <a:r>
+              <a:rPr lang="fr-FR" sz="2800" b="1" dirty="0">
+                <a:solidFill>
+                  <a:srgbClr val="CD00B4"/>
+                </a:solidFill>
+                <a:latin typeface="Consolas" panose="020B0609020204030204" pitchFamily="49" charset="0"/>
+              </a:rPr>
+              <a:t>()</a:t>
+            </a:r>
+          </a:p>
+          <a:p>
+            <a:pPr marL="342900" indent="-342900">
+              <a:buFont typeface="Wingdings" panose="05000000000000000000" pitchFamily="2" charset="2"/>
+              <a:buChar char="ü"/>
+            </a:pPr>
+            <a:r>
+              <a:rPr lang="fr-FR" i="1" dirty="0" err="1">
+                <a:latin typeface="Century Gothic" panose="020B0502020202020204" pitchFamily="34" charset="0"/>
+              </a:rPr>
+              <a:t>Linearity</a:t>
+            </a:r>
+            <a:endParaRPr lang="fr-FR" i="1" dirty="0">
+              <a:latin typeface="Century Gothic" panose="020B0502020202020204" pitchFamily="34" charset="0"/>
+            </a:endParaRPr>
+          </a:p>
+          <a:p>
+            <a:pPr marL="342900" indent="-342900">
+              <a:buFont typeface="Wingdings" panose="05000000000000000000" pitchFamily="2" charset="2"/>
+              <a:buChar char="ü"/>
+            </a:pPr>
+            <a:r>
+              <a:rPr lang="fr-FR" i="1" dirty="0" err="1">
+                <a:latin typeface="Century Gothic" panose="020B0502020202020204" pitchFamily="34" charset="0"/>
+              </a:rPr>
+              <a:t>Homogenity</a:t>
+            </a:r>
+            <a:endParaRPr lang="fr-FR" i="1" dirty="0">
+              <a:latin typeface="Century Gothic" panose="020B0502020202020204" pitchFamily="34" charset="0"/>
+            </a:endParaRPr>
+          </a:p>
+          <a:p>
+            <a:pPr marL="342900" indent="-342900">
+              <a:buFont typeface="Wingdings" panose="05000000000000000000" pitchFamily="2" charset="2"/>
+              <a:buChar char="ü"/>
+            </a:pPr>
+            <a:r>
+              <a:rPr lang="fr-FR" i="1" dirty="0" err="1">
+                <a:latin typeface="Century Gothic" panose="020B0502020202020204" pitchFamily="34" charset="0"/>
+              </a:rPr>
+              <a:t>Heteroscedasticity</a:t>
+            </a:r>
+            <a:endParaRPr lang="fr-FR" i="1" dirty="0">
+              <a:latin typeface="Century Gothic" panose="020B0502020202020204" pitchFamily="34" charset="0"/>
+            </a:endParaRPr>
+          </a:p>
+          <a:p>
+            <a:pPr marL="342900" indent="-342900">
+              <a:buFont typeface="Wingdings" panose="05000000000000000000" pitchFamily="2" charset="2"/>
+              <a:buChar char="ü"/>
+            </a:pPr>
+            <a:r>
+              <a:rPr lang="fr-FR" i="1" dirty="0" err="1">
+                <a:latin typeface="Century Gothic" panose="020B0502020202020204" pitchFamily="34" charset="0"/>
+              </a:rPr>
+              <a:t>Collinearity</a:t>
+            </a:r>
+            <a:endParaRPr lang="fr-FR" i="1" dirty="0">
+              <a:latin typeface="Century Gothic" panose="020B0502020202020204" pitchFamily="34" charset="0"/>
+            </a:endParaRPr>
+          </a:p>
+          <a:p>
+            <a:pPr marL="342900" indent="-342900">
+              <a:buFont typeface="Wingdings" panose="05000000000000000000" pitchFamily="2" charset="2"/>
+              <a:buChar char="ü"/>
+            </a:pPr>
+            <a:r>
+              <a:rPr lang="fr-FR" i="1" dirty="0" err="1">
+                <a:latin typeface="Century Gothic" panose="020B0502020202020204" pitchFamily="34" charset="0"/>
+              </a:rPr>
+              <a:t>Outliers</a:t>
+            </a:r>
+            <a:endParaRPr lang="fr-FR" i="1" dirty="0">
+              <a:latin typeface="Century Gothic" panose="020B0502020202020204" pitchFamily="34" charset="0"/>
+            </a:endParaRPr>
+          </a:p>
+          <a:p>
+            <a:pPr marL="342900" indent="-342900">
+              <a:buFont typeface="Wingdings" panose="05000000000000000000" pitchFamily="2" charset="2"/>
+              <a:buChar char="ü"/>
+            </a:pPr>
+            <a:r>
+              <a:rPr lang="fr-FR" i="1" dirty="0">
+                <a:latin typeface="Century Gothic" panose="020B0502020202020204" pitchFamily="34" charset="0"/>
+              </a:rPr>
+              <a:t>…</a:t>
+            </a:r>
+            <a:endParaRPr lang="en-GB" i="1" dirty="0">
+              <a:latin typeface="Century Gothic" panose="020B0502020202020204" pitchFamily="34" charset="0"/>
+            </a:endParaRPr>
+          </a:p>
+        </p:txBody>
+      </p:sp>
+      <p:sp>
+        <p:nvSpPr>
+          <p:cNvPr id="35" name="Rectangle 34">
+            <a:extLst>
+              <a:ext uri="{FF2B5EF4-FFF2-40B4-BE49-F238E27FC236}">
+                <a16:creationId xmlns:a16="http://schemas.microsoft.com/office/drawing/2014/main" id="{E91B0969-7583-4359-9936-1FCE0D1A12F0}"/>
+              </a:ext>
+            </a:extLst>
+          </p:cNvPr>
+          <p:cNvSpPr/>
+          <p:nvPr/>
+        </p:nvSpPr>
+        <p:spPr>
+          <a:xfrm>
+            <a:off x="3475170" y="2618766"/>
+            <a:ext cx="3849419" cy="643467"/>
+          </a:xfrm>
+          <a:prstGeom prst="rect">
+            <a:avLst/>
+          </a:prstGeom>
+          <a:noFill/>
+          <a:ln>
+            <a:noFill/>
+          </a:ln>
+        </p:spPr>
+        <p:style>
+          <a:lnRef idx="0">
+            <a:scrgbClr r="0" g="0" b="0"/>
+          </a:lnRef>
+          <a:fillRef idx="0">
+            <a:scrgbClr r="0" g="0" b="0"/>
+          </a:fillRef>
+          <a:effectRef idx="0">
+            <a:scrgbClr r="0" g="0" b="0"/>
+          </a:effectRef>
+          <a:fontRef idx="minor">
+            <a:schemeClr val="dk1"/>
+          </a:fontRef>
+        </p:style>
+        <p:txBody>
+          <a:bodyPr rtlCol="0" anchor="ctr"/>
+          <a:lstStyle/>
+          <a:p>
+            <a:pPr algn="ctr"/>
+            <a:r>
+              <a:rPr lang="fr-FR" sz="2400" b="1" dirty="0" err="1">
+                <a:solidFill>
+                  <a:srgbClr val="CD00B4"/>
+                </a:solidFill>
+                <a:latin typeface="Consolas" panose="020B0609020204030204" pitchFamily="49" charset="0"/>
+              </a:rPr>
+              <a:t>compare_performance</a:t>
+            </a:r>
+            <a:r>
+              <a:rPr lang="fr-FR" sz="2400" b="1" dirty="0">
+                <a:solidFill>
+                  <a:srgbClr val="CD00B4"/>
+                </a:solidFill>
+                <a:latin typeface="Consolas" panose="020B0609020204030204" pitchFamily="49" charset="0"/>
+              </a:rPr>
+              <a:t>()</a:t>
+            </a:r>
+            <a:endParaRPr lang="en-GB" sz="2400" b="1" dirty="0">
+              <a:solidFill>
+                <a:srgbClr val="CD00B4"/>
+              </a:solidFill>
+              <a:latin typeface="Consolas" panose="020B0609020204030204" pitchFamily="49" charset="0"/>
+            </a:endParaRPr>
+          </a:p>
+        </p:txBody>
+      </p:sp>
+      <p:sp>
+        <p:nvSpPr>
+          <p:cNvPr id="36" name="Rectangle 35">
+            <a:extLst>
+              <a:ext uri="{FF2B5EF4-FFF2-40B4-BE49-F238E27FC236}">
+                <a16:creationId xmlns:a16="http://schemas.microsoft.com/office/drawing/2014/main" id="{1147A805-C624-41C3-8F5E-367B840AAFC0}"/>
+              </a:ext>
+            </a:extLst>
+          </p:cNvPr>
+          <p:cNvSpPr/>
+          <p:nvPr/>
+        </p:nvSpPr>
+        <p:spPr>
+          <a:xfrm>
+            <a:off x="3475169" y="7785253"/>
+            <a:ext cx="3849419" cy="643467"/>
+          </a:xfrm>
+          <a:prstGeom prst="rect">
+            <a:avLst/>
+          </a:prstGeom>
+          <a:noFill/>
+          <a:ln>
+            <a:noFill/>
+          </a:ln>
+        </p:spPr>
+        <p:style>
+          <a:lnRef idx="0">
+            <a:scrgbClr r="0" g="0" b="0"/>
+          </a:lnRef>
+          <a:fillRef idx="0">
+            <a:scrgbClr r="0" g="0" b="0"/>
+          </a:fillRef>
+          <a:effectRef idx="0">
+            <a:scrgbClr r="0" g="0" b="0"/>
+          </a:effectRef>
+          <a:fontRef idx="minor">
+            <a:schemeClr val="dk1"/>
+          </a:fontRef>
+        </p:style>
+        <p:txBody>
+          <a:bodyPr rtlCol="0" anchor="ctr"/>
+          <a:lstStyle/>
+          <a:p>
+            <a:pPr algn="ctr"/>
+            <a:r>
+              <a:rPr lang="fr-FR" sz="2400" b="1" dirty="0" err="1">
+                <a:solidFill>
+                  <a:srgbClr val="CD00B4"/>
+                </a:solidFill>
+                <a:latin typeface="Consolas" panose="020B0609020204030204" pitchFamily="49" charset="0"/>
+              </a:rPr>
+              <a:t>test_performance</a:t>
+            </a:r>
+            <a:r>
+              <a:rPr lang="fr-FR" sz="2400" b="1" dirty="0">
+                <a:solidFill>
+                  <a:srgbClr val="CD00B4"/>
+                </a:solidFill>
+                <a:latin typeface="Consolas" panose="020B0609020204030204" pitchFamily="49" charset="0"/>
+              </a:rPr>
+              <a:t>()</a:t>
+            </a:r>
+          </a:p>
+          <a:p>
+            <a:pPr algn="ctr"/>
+            <a:r>
+              <a:rPr lang="fr-FR" i="1" dirty="0">
+                <a:latin typeface="Century Gothic" panose="020B0502020202020204" pitchFamily="34" charset="0"/>
+              </a:rPr>
+              <a:t>Model 1 &gt; Model 2 (p &lt; .042)</a:t>
+            </a:r>
+          </a:p>
+        </p:txBody>
+      </p:sp>
+      <p:pic>
+        <p:nvPicPr>
+          <p:cNvPr id="1026" name="Picture 2">
+            <a:extLst>
+              <a:ext uri="{FF2B5EF4-FFF2-40B4-BE49-F238E27FC236}">
+                <a16:creationId xmlns:a16="http://schemas.microsoft.com/office/drawing/2014/main" id="{2E0735C7-5A95-4422-9AC3-8D0F7C406E2B}"/>
+              </a:ext>
+            </a:extLst>
+          </p:cNvPr>
+          <p:cNvPicPr>
+            <a:picLocks noChangeAspect="1" noChangeArrowheads="1"/>
+          </p:cNvPicPr>
+          <p:nvPr/>
+        </p:nvPicPr>
+        <p:blipFill>
+          <a:blip r:embed="rId2">
+            <a:extLst>
+              <a:ext uri="{28A0092B-C50C-407E-A947-70E740481C1C}">
+                <a14:useLocalDpi xmlns:a14="http://schemas.microsoft.com/office/drawing/2010/main" val="0"/>
+              </a:ext>
+            </a:extLst>
+          </a:blip>
+          <a:srcRect/>
+          <a:stretch>
+            <a:fillRect/>
+          </a:stretch>
+        </p:blipFill>
+        <p:spPr bwMode="auto">
+          <a:xfrm>
+            <a:off x="9426506" y="16934"/>
+            <a:ext cx="1346733" cy="1557721"/>
+          </a:xfrm>
+          <a:prstGeom prst="rect">
+            <a:avLst/>
+          </a:prstGeom>
+          <a:noFill/>
+          <a:extLst>
+            <a:ext uri="{909E8E84-426E-40DD-AFC4-6F175D3DCCD1}">
+              <a14:hiddenFill xmlns:a14="http://schemas.microsoft.com/office/drawing/2010/main">
+                <a:solidFill>
+                  <a:srgbClr val="FFFFFF"/>
+                </a:solidFill>
+              </a14:hiddenFill>
+            </a:ext>
+          </a:extLst>
+        </p:spPr>
+      </p:pic>
+      <p:sp>
+        <p:nvSpPr>
+          <p:cNvPr id="55" name="TextBox 54">
+            <a:extLst>
+              <a:ext uri="{FF2B5EF4-FFF2-40B4-BE49-F238E27FC236}">
+                <a16:creationId xmlns:a16="http://schemas.microsoft.com/office/drawing/2014/main" id="{39BF4EBE-9474-47FD-8AC7-94B1269D895F}"/>
+              </a:ext>
+            </a:extLst>
+          </p:cNvPr>
+          <p:cNvSpPr txBox="1"/>
+          <p:nvPr/>
+        </p:nvSpPr>
+        <p:spPr>
+          <a:xfrm>
+            <a:off x="1719923" y="514"/>
+            <a:ext cx="7359916" cy="584775"/>
+          </a:xfrm>
+          <a:prstGeom prst="rect">
+            <a:avLst/>
+          </a:prstGeom>
+          <a:noFill/>
+        </p:spPr>
+        <p:txBody>
+          <a:bodyPr wrap="square">
+            <a:spAutoFit/>
+          </a:bodyPr>
+          <a:lstStyle/>
+          <a:p>
+            <a:pPr algn="ctr"/>
+            <a:r>
+              <a:rPr lang="fr-FR" sz="3200" b="1" dirty="0" err="1">
+                <a:latin typeface="Century Gothic" panose="020B0502020202020204" pitchFamily="34" charset="0"/>
+              </a:rPr>
+              <a:t>Using</a:t>
+            </a:r>
+            <a:r>
+              <a:rPr lang="fr-FR" sz="3200" b="1" dirty="0">
+                <a:latin typeface="Century Gothic" panose="020B0502020202020204" pitchFamily="34" charset="0"/>
+              </a:rPr>
+              <a:t> the </a:t>
+            </a:r>
+            <a:r>
+              <a:rPr lang="fr-FR" sz="3200" b="1" i="1" dirty="0">
+                <a:latin typeface="Consolas" panose="020B0609020204030204" pitchFamily="49" charset="0"/>
+              </a:rPr>
+              <a:t>performance</a:t>
+            </a:r>
+            <a:r>
+              <a:rPr lang="fr-FR" sz="3200" b="1" dirty="0">
+                <a:latin typeface="Century Gothic" panose="020B0502020202020204" pitchFamily="34" charset="0"/>
+              </a:rPr>
+              <a:t> R package</a:t>
+            </a:r>
+          </a:p>
+        </p:txBody>
+      </p:sp>
+      <p:graphicFrame>
+        <p:nvGraphicFramePr>
+          <p:cNvPr id="57" name="Table 58">
+            <a:extLst>
+              <a:ext uri="{FF2B5EF4-FFF2-40B4-BE49-F238E27FC236}">
+                <a16:creationId xmlns:a16="http://schemas.microsoft.com/office/drawing/2014/main" id="{2E71D294-9EC5-43D9-9347-A26BBE583271}"/>
+              </a:ext>
+            </a:extLst>
+          </p:cNvPr>
+          <p:cNvGraphicFramePr>
+            <a:graphicFrameLocks noGrp="1"/>
+          </p:cNvGraphicFramePr>
+          <p:nvPr>
+            <p:extLst>
+              <p:ext uri="{D42A27DB-BD31-4B8C-83A1-F6EECF244321}">
+                <p14:modId xmlns:p14="http://schemas.microsoft.com/office/powerpoint/2010/main" val="514720186"/>
+              </p:ext>
+            </p:extLst>
+          </p:nvPr>
+        </p:nvGraphicFramePr>
+        <p:xfrm>
+          <a:off x="3796239" y="3245658"/>
+          <a:ext cx="3207280" cy="980073"/>
+        </p:xfrm>
+        <a:graphic>
+          <a:graphicData uri="http://schemas.openxmlformats.org/drawingml/2006/table">
+            <a:tbl>
+              <a:tblPr firstRow="1" bandRow="1">
+                <a:tableStyleId>{C083E6E3-FA7D-4D7B-A595-EF9225AFEA82}</a:tableStyleId>
+              </a:tblPr>
+              <a:tblGrid>
+                <a:gridCol w="801820">
+                  <a:extLst>
+                    <a:ext uri="{9D8B030D-6E8A-4147-A177-3AD203B41FA5}">
+                      <a16:colId xmlns:a16="http://schemas.microsoft.com/office/drawing/2014/main" val="2446890595"/>
+                    </a:ext>
+                  </a:extLst>
+                </a:gridCol>
+                <a:gridCol w="801820">
+                  <a:extLst>
+                    <a:ext uri="{9D8B030D-6E8A-4147-A177-3AD203B41FA5}">
+                      <a16:colId xmlns:a16="http://schemas.microsoft.com/office/drawing/2014/main" val="1063152232"/>
+                    </a:ext>
+                  </a:extLst>
+                </a:gridCol>
+                <a:gridCol w="801820">
+                  <a:extLst>
+                    <a:ext uri="{9D8B030D-6E8A-4147-A177-3AD203B41FA5}">
+                      <a16:colId xmlns:a16="http://schemas.microsoft.com/office/drawing/2014/main" val="1799320389"/>
+                    </a:ext>
+                  </a:extLst>
+                </a:gridCol>
+                <a:gridCol w="801820">
+                  <a:extLst>
+                    <a:ext uri="{9D8B030D-6E8A-4147-A177-3AD203B41FA5}">
+                      <a16:colId xmlns:a16="http://schemas.microsoft.com/office/drawing/2014/main" val="3961177945"/>
+                    </a:ext>
+                  </a:extLst>
+                </a:gridCol>
+              </a:tblGrid>
+              <a:tr h="326691">
+                <a:tc>
+                  <a:txBody>
+                    <a:bodyPr/>
+                    <a:lstStyle/>
+                    <a:p>
+                      <a:r>
+                        <a:rPr lang="fr-FR" sz="1400" dirty="0"/>
+                        <a:t>Model</a:t>
+                      </a:r>
+                      <a:endParaRPr lang="en-GB" sz="1400" dirty="0"/>
+                    </a:p>
+                  </a:txBody>
+                  <a:tcPr>
+                    <a:lnT w="12700" cap="flat" cmpd="sng" algn="ctr">
+                      <a:solidFill>
+                        <a:schemeClr val="tx1"/>
+                      </a:solidFill>
+                      <a:prstDash val="solid"/>
+                      <a:round/>
+                      <a:headEnd type="none" w="med" len="med"/>
+                      <a:tailEnd type="none" w="med" len="med"/>
+                    </a:lnT>
+                    <a:lnB w="12700" cap="flat" cmpd="sng" algn="ctr">
+                      <a:solidFill>
+                        <a:schemeClr val="tx1"/>
+                      </a:solidFill>
+                      <a:prstDash val="solid"/>
+                      <a:round/>
+                      <a:headEnd type="none" w="med" len="med"/>
+                      <a:tailEnd type="none" w="med" len="med"/>
+                    </a:lnB>
+                  </a:tcPr>
+                </a:tc>
+                <a:tc>
+                  <a:txBody>
+                    <a:bodyPr/>
+                    <a:lstStyle/>
+                    <a:p>
+                      <a:r>
+                        <a:rPr lang="fr-FR" sz="1400" dirty="0"/>
+                        <a:t>AIC</a:t>
+                      </a:r>
+                      <a:endParaRPr lang="en-GB" sz="1400" dirty="0"/>
+                    </a:p>
+                  </a:txBody>
+                  <a:tcPr>
+                    <a:lnT w="12700" cap="flat" cmpd="sng" algn="ctr">
+                      <a:solidFill>
+                        <a:schemeClr val="tx1"/>
+                      </a:solidFill>
+                      <a:prstDash val="solid"/>
+                      <a:round/>
+                      <a:headEnd type="none" w="med" len="med"/>
+                      <a:tailEnd type="none" w="med" len="med"/>
+                    </a:lnT>
+                    <a:lnB w="12700" cap="flat" cmpd="sng" algn="ctr">
+                      <a:solidFill>
+                        <a:schemeClr val="tx1"/>
+                      </a:solidFill>
+                      <a:prstDash val="solid"/>
+                      <a:round/>
+                      <a:headEnd type="none" w="med" len="med"/>
+                      <a:tailEnd type="none" w="med" len="med"/>
+                    </a:lnB>
+                  </a:tcPr>
+                </a:tc>
+                <a:tc>
+                  <a:txBody>
+                    <a:bodyPr/>
+                    <a:lstStyle/>
+                    <a:p>
+                      <a:r>
+                        <a:rPr lang="fr-FR" sz="1400" dirty="0"/>
+                        <a:t>BIC</a:t>
+                      </a:r>
+                      <a:endParaRPr lang="en-GB" sz="1400" dirty="0"/>
+                    </a:p>
+                  </a:txBody>
+                  <a:tcPr>
+                    <a:lnT w="12700" cap="flat" cmpd="sng" algn="ctr">
+                      <a:solidFill>
+                        <a:schemeClr val="tx1"/>
+                      </a:solidFill>
+                      <a:prstDash val="solid"/>
+                      <a:round/>
+                      <a:headEnd type="none" w="med" len="med"/>
+                      <a:tailEnd type="none" w="med" len="med"/>
+                    </a:lnT>
+                    <a:lnB w="12700" cap="flat" cmpd="sng" algn="ctr">
+                      <a:solidFill>
+                        <a:schemeClr val="tx1"/>
+                      </a:solidFill>
+                      <a:prstDash val="solid"/>
+                      <a:round/>
+                      <a:headEnd type="none" w="med" len="med"/>
+                      <a:tailEnd type="none" w="med" len="med"/>
+                    </a:lnB>
+                  </a:tcPr>
+                </a:tc>
+                <a:tc>
+                  <a:txBody>
+                    <a:bodyPr/>
+                    <a:lstStyle/>
+                    <a:p>
+                      <a:r>
+                        <a:rPr lang="fr-FR" sz="1400" dirty="0"/>
+                        <a:t>R2</a:t>
+                      </a:r>
+                      <a:endParaRPr lang="en-GB" sz="1400" dirty="0"/>
+                    </a:p>
+                  </a:txBody>
+                  <a:tcPr>
+                    <a:lnT w="12700" cap="flat" cmpd="sng" algn="ctr">
+                      <a:solidFill>
+                        <a:schemeClr val="tx1"/>
+                      </a:solidFill>
+                      <a:prstDash val="solid"/>
+                      <a:round/>
+                      <a:headEnd type="none" w="med" len="med"/>
+                      <a:tailEnd type="none" w="med" len="med"/>
+                    </a:lnT>
+                    <a:lnB w="12700" cap="flat" cmpd="sng" algn="ctr">
+                      <a:solidFill>
+                        <a:schemeClr val="tx1"/>
+                      </a:solidFill>
+                      <a:prstDash val="solid"/>
+                      <a:round/>
+                      <a:headEnd type="none" w="med" len="med"/>
+                      <a:tailEnd type="none" w="med" len="med"/>
+                    </a:lnB>
+                  </a:tcPr>
+                </a:tc>
+                <a:extLst>
+                  <a:ext uri="{0D108BD9-81ED-4DB2-BD59-A6C34878D82A}">
+                    <a16:rowId xmlns:a16="http://schemas.microsoft.com/office/drawing/2014/main" val="940373995"/>
+                  </a:ext>
+                </a:extLst>
+              </a:tr>
+              <a:tr h="326691">
+                <a:tc>
+                  <a:txBody>
+                    <a:bodyPr/>
+                    <a:lstStyle/>
+                    <a:p>
+                      <a:r>
+                        <a:rPr lang="fr-FR" sz="1400" b="1" dirty="0"/>
+                        <a:t>Model 1</a:t>
+                      </a:r>
+                      <a:endParaRPr lang="en-GB" sz="1400" b="1" dirty="0"/>
+                    </a:p>
+                  </a:txBody>
+                  <a:tcPr>
+                    <a:lnT w="12700" cap="flat" cmpd="sng" algn="ctr">
+                      <a:solidFill>
+                        <a:schemeClr val="tx1"/>
+                      </a:solidFill>
+                      <a:prstDash val="solid"/>
+                      <a:round/>
+                      <a:headEnd type="none" w="med" len="med"/>
+                      <a:tailEnd type="none" w="med" len="med"/>
+                    </a:lnT>
+                  </a:tcPr>
+                </a:tc>
+                <a:tc>
+                  <a:txBody>
+                    <a:bodyPr/>
+                    <a:lstStyle/>
+                    <a:p>
+                      <a:r>
+                        <a:rPr lang="fr-FR" sz="1400" dirty="0"/>
+                        <a:t>301</a:t>
+                      </a:r>
+                      <a:endParaRPr lang="en-GB" sz="1400" dirty="0"/>
+                    </a:p>
+                  </a:txBody>
+                  <a:tcPr>
+                    <a:lnT w="12700" cap="flat" cmpd="sng" algn="ctr">
+                      <a:solidFill>
+                        <a:schemeClr val="tx1"/>
+                      </a:solidFill>
+                      <a:prstDash val="solid"/>
+                      <a:round/>
+                      <a:headEnd type="none" w="med" len="med"/>
+                      <a:tailEnd type="none" w="med" len="med"/>
+                    </a:lnT>
+                  </a:tcPr>
+                </a:tc>
+                <a:tc>
+                  <a:txBody>
+                    <a:bodyPr/>
+                    <a:lstStyle/>
+                    <a:p>
+                      <a:r>
+                        <a:rPr lang="fr-FR" sz="1400" dirty="0"/>
+                        <a:t>318</a:t>
+                      </a:r>
+                      <a:endParaRPr lang="en-GB" sz="1400" dirty="0"/>
+                    </a:p>
+                  </a:txBody>
+                  <a:tcPr>
+                    <a:lnT w="12700" cap="flat" cmpd="sng" algn="ctr">
+                      <a:solidFill>
+                        <a:schemeClr val="tx1"/>
+                      </a:solidFill>
+                      <a:prstDash val="solid"/>
+                      <a:round/>
+                      <a:headEnd type="none" w="med" len="med"/>
+                      <a:tailEnd type="none" w="med" len="med"/>
+                    </a:lnT>
+                  </a:tcPr>
+                </a:tc>
+                <a:tc>
+                  <a:txBody>
+                    <a:bodyPr/>
+                    <a:lstStyle/>
+                    <a:p>
+                      <a:r>
+                        <a:rPr lang="fr-FR" sz="1400" dirty="0"/>
+                        <a:t>0.14</a:t>
+                      </a:r>
+                      <a:endParaRPr lang="en-GB" sz="1400" dirty="0"/>
+                    </a:p>
+                  </a:txBody>
+                  <a:tcPr>
+                    <a:lnT w="12700" cap="flat" cmpd="sng" algn="ctr">
+                      <a:solidFill>
+                        <a:schemeClr val="tx1"/>
+                      </a:solidFill>
+                      <a:prstDash val="solid"/>
+                      <a:round/>
+                      <a:headEnd type="none" w="med" len="med"/>
+                      <a:tailEnd type="none" w="med" len="med"/>
+                    </a:lnT>
+                  </a:tcPr>
+                </a:tc>
+                <a:extLst>
+                  <a:ext uri="{0D108BD9-81ED-4DB2-BD59-A6C34878D82A}">
+                    <a16:rowId xmlns:a16="http://schemas.microsoft.com/office/drawing/2014/main" val="3923801804"/>
+                  </a:ext>
+                </a:extLst>
+              </a:tr>
+              <a:tr h="326691">
+                <a:tc>
+                  <a:txBody>
+                    <a:bodyPr/>
+                    <a:lstStyle/>
+                    <a:p>
+                      <a:r>
+                        <a:rPr lang="fr-FR" sz="1400" b="1" dirty="0"/>
+                        <a:t>Model 2</a:t>
+                      </a:r>
+                      <a:endParaRPr lang="en-GB" sz="1400" b="1" dirty="0"/>
+                    </a:p>
+                  </a:txBody>
+                  <a:tcPr/>
+                </a:tc>
+                <a:tc>
+                  <a:txBody>
+                    <a:bodyPr/>
+                    <a:lstStyle/>
+                    <a:p>
+                      <a:r>
+                        <a:rPr lang="fr-FR" sz="1400" dirty="0"/>
+                        <a:t>284</a:t>
+                      </a:r>
+                      <a:endParaRPr lang="en-GB" sz="1400" dirty="0"/>
+                    </a:p>
+                  </a:txBody>
+                  <a:tcPr/>
+                </a:tc>
+                <a:tc>
+                  <a:txBody>
+                    <a:bodyPr/>
+                    <a:lstStyle/>
+                    <a:p>
+                      <a:r>
+                        <a:rPr lang="fr-FR" sz="1400" dirty="0"/>
+                        <a:t>297</a:t>
+                      </a:r>
+                      <a:endParaRPr lang="en-GB" sz="1400" dirty="0"/>
+                    </a:p>
+                  </a:txBody>
+                  <a:tcPr/>
+                </a:tc>
+                <a:tc>
+                  <a:txBody>
+                    <a:bodyPr/>
+                    <a:lstStyle/>
+                    <a:p>
+                      <a:r>
+                        <a:rPr lang="fr-FR" sz="1400" dirty="0"/>
+                        <a:t>0.12</a:t>
+                      </a:r>
+                      <a:endParaRPr lang="en-GB" sz="1400" dirty="0"/>
+                    </a:p>
+                  </a:txBody>
+                  <a:tcPr/>
+                </a:tc>
+                <a:extLst>
+                  <a:ext uri="{0D108BD9-81ED-4DB2-BD59-A6C34878D82A}">
+                    <a16:rowId xmlns:a16="http://schemas.microsoft.com/office/drawing/2014/main" val="1837440306"/>
+                  </a:ext>
+                </a:extLst>
+              </a:tr>
+            </a:tbl>
+          </a:graphicData>
+        </a:graphic>
+      </p:graphicFrame>
+      <p:sp>
+        <p:nvSpPr>
+          <p:cNvPr id="67" name="Rectangle 66">
+            <a:extLst>
+              <a:ext uri="{FF2B5EF4-FFF2-40B4-BE49-F238E27FC236}">
+                <a16:creationId xmlns:a16="http://schemas.microsoft.com/office/drawing/2014/main" id="{0B89CC8B-C404-4714-80EB-95F65F214823}"/>
+              </a:ext>
+            </a:extLst>
+          </p:cNvPr>
+          <p:cNvSpPr/>
+          <p:nvPr/>
+        </p:nvSpPr>
+        <p:spPr>
+          <a:xfrm>
+            <a:off x="6947003" y="6495055"/>
+            <a:ext cx="4035840" cy="1794164"/>
+          </a:xfrm>
+          <a:prstGeom prst="rect">
+            <a:avLst/>
+          </a:prstGeom>
+          <a:noFill/>
+          <a:ln>
+            <a:noFill/>
+          </a:ln>
+        </p:spPr>
+        <p:style>
+          <a:lnRef idx="0">
+            <a:scrgbClr r="0" g="0" b="0"/>
+          </a:lnRef>
+          <a:fillRef idx="0">
+            <a:scrgbClr r="0" g="0" b="0"/>
+          </a:fillRef>
+          <a:effectRef idx="0">
+            <a:scrgbClr r="0" g="0" b="0"/>
+          </a:effectRef>
+          <a:fontRef idx="minor">
+            <a:schemeClr val="dk1"/>
+          </a:fontRef>
+        </p:style>
+        <p:txBody>
+          <a:bodyPr rtlCol="0" anchor="ctr"/>
+          <a:lstStyle/>
+          <a:p>
+            <a:pPr algn="ctr"/>
+            <a:r>
+              <a:rPr lang="fr-FR" sz="2800" b="1" dirty="0" err="1">
+                <a:solidFill>
+                  <a:srgbClr val="CD00B4"/>
+                </a:solidFill>
+                <a:latin typeface="Consolas" panose="020B0609020204030204" pitchFamily="49" charset="0"/>
+              </a:rPr>
+              <a:t>model_performance</a:t>
+            </a:r>
+            <a:r>
+              <a:rPr lang="fr-FR" sz="2800" b="1" dirty="0">
+                <a:solidFill>
+                  <a:srgbClr val="CD00B4"/>
+                </a:solidFill>
+                <a:latin typeface="Consolas" panose="020B0609020204030204" pitchFamily="49" charset="0"/>
+              </a:rPr>
+              <a:t>()</a:t>
+            </a:r>
+          </a:p>
+          <a:p>
+            <a:pPr marL="800100" lvl="1" indent="-342900">
+              <a:buFont typeface="Wingdings" panose="05000000000000000000" pitchFamily="2" charset="2"/>
+              <a:buChar char="ü"/>
+            </a:pPr>
+            <a:r>
+              <a:rPr lang="fr-FR" i="1" dirty="0">
+                <a:latin typeface="Century Gothic" panose="020B0502020202020204" pitchFamily="34" charset="0"/>
+              </a:rPr>
+              <a:t>AIC</a:t>
+            </a:r>
+          </a:p>
+          <a:p>
+            <a:pPr marL="800100" lvl="1" indent="-342900">
+              <a:buFont typeface="Wingdings" panose="05000000000000000000" pitchFamily="2" charset="2"/>
+              <a:buChar char="ü"/>
+            </a:pPr>
+            <a:r>
+              <a:rPr lang="fr-FR" i="1" dirty="0">
+                <a:latin typeface="Century Gothic" panose="020B0502020202020204" pitchFamily="34" charset="0"/>
+              </a:rPr>
+              <a:t>BIC</a:t>
+            </a:r>
+          </a:p>
+          <a:p>
+            <a:pPr marL="800100" lvl="1" indent="-342900">
+              <a:buFont typeface="Wingdings" panose="05000000000000000000" pitchFamily="2" charset="2"/>
+              <a:buChar char="ü"/>
+            </a:pPr>
+            <a:r>
+              <a:rPr lang="fr-FR" i="1" dirty="0">
+                <a:latin typeface="Century Gothic" panose="020B0502020202020204" pitchFamily="34" charset="0"/>
+              </a:rPr>
+              <a:t>ICC</a:t>
+            </a:r>
+          </a:p>
+          <a:p>
+            <a:pPr marL="800100" lvl="1" indent="-342900">
+              <a:buFont typeface="Wingdings" panose="05000000000000000000" pitchFamily="2" charset="2"/>
+              <a:buChar char="ü"/>
+            </a:pPr>
+            <a:r>
+              <a:rPr lang="fr-FR" i="1" dirty="0">
+                <a:latin typeface="Century Gothic" panose="020B0502020202020204" pitchFamily="34" charset="0"/>
+              </a:rPr>
+              <a:t>R2</a:t>
+            </a:r>
+          </a:p>
+          <a:p>
+            <a:pPr marL="800100" lvl="1" indent="-342900">
+              <a:buFont typeface="Wingdings" panose="05000000000000000000" pitchFamily="2" charset="2"/>
+              <a:buChar char="ü"/>
+            </a:pPr>
+            <a:r>
+              <a:rPr lang="fr-FR" i="1" dirty="0">
+                <a:latin typeface="Century Gothic" panose="020B0502020202020204" pitchFamily="34" charset="0"/>
+              </a:rPr>
+              <a:t>RMSE</a:t>
+            </a:r>
+          </a:p>
+          <a:p>
+            <a:pPr marL="800100" lvl="1" indent="-342900">
+              <a:buFont typeface="Wingdings" panose="05000000000000000000" pitchFamily="2" charset="2"/>
+              <a:buChar char="ü"/>
+            </a:pPr>
+            <a:r>
+              <a:rPr lang="fr-FR" i="1" dirty="0">
+                <a:latin typeface="Century Gothic" panose="020B0502020202020204" pitchFamily="34" charset="0"/>
+              </a:rPr>
+              <a:t>…</a:t>
+            </a:r>
+            <a:endParaRPr lang="fr-FR" sz="1600" i="1" dirty="0">
+              <a:latin typeface="Century Gothic" panose="020B0502020202020204" pitchFamily="34" charset="0"/>
+            </a:endParaRPr>
+          </a:p>
+        </p:txBody>
+      </p:sp>
+      <p:sp>
+        <p:nvSpPr>
+          <p:cNvPr id="68" name="Rectangle 67">
+            <a:extLst>
+              <a:ext uri="{FF2B5EF4-FFF2-40B4-BE49-F238E27FC236}">
+                <a16:creationId xmlns:a16="http://schemas.microsoft.com/office/drawing/2014/main" id="{7982970B-4021-47DD-BDC9-961A5F5065A7}"/>
+              </a:ext>
+            </a:extLst>
+          </p:cNvPr>
+          <p:cNvSpPr/>
+          <p:nvPr/>
+        </p:nvSpPr>
+        <p:spPr>
+          <a:xfrm>
+            <a:off x="7104275" y="1254382"/>
+            <a:ext cx="3787711" cy="1121569"/>
+          </a:xfrm>
+          <a:prstGeom prst="rect">
+            <a:avLst/>
+          </a:prstGeom>
+          <a:noFill/>
+          <a:ln>
+            <a:noFill/>
+          </a:ln>
+        </p:spPr>
+        <p:style>
+          <a:lnRef idx="0">
+            <a:scrgbClr r="0" g="0" b="0"/>
+          </a:lnRef>
+          <a:fillRef idx="0">
+            <a:scrgbClr r="0" g="0" b="0"/>
+          </a:fillRef>
+          <a:effectRef idx="0">
+            <a:scrgbClr r="0" g="0" b="0"/>
+          </a:effectRef>
+          <a:fontRef idx="minor">
+            <a:schemeClr val="dk1"/>
+          </a:fontRef>
+        </p:style>
+        <p:txBody>
+          <a:bodyPr rtlCol="0" anchor="ctr"/>
+          <a:lstStyle/>
+          <a:p>
+            <a:pPr algn="ctr"/>
+            <a:r>
+              <a:rPr lang="fr-FR" sz="2800" b="1" dirty="0">
+                <a:latin typeface="Century Gothic" panose="020B0502020202020204" pitchFamily="34" charset="0"/>
+              </a:rPr>
+              <a:t>Model 2</a:t>
+            </a:r>
+          </a:p>
+          <a:p>
+            <a:pPr algn="ctr"/>
+            <a:r>
+              <a:rPr lang="fr-FR" sz="2400" b="1" dirty="0" err="1">
+                <a:solidFill>
+                  <a:srgbClr val="915500"/>
+                </a:solidFill>
+                <a:latin typeface="Consolas" panose="020B0609020204030204" pitchFamily="49" charset="0"/>
+              </a:rPr>
+              <a:t>glm</a:t>
+            </a:r>
+            <a:r>
+              <a:rPr lang="fr-FR" sz="2400" b="1" dirty="0">
+                <a:solidFill>
+                  <a:srgbClr val="915500"/>
+                </a:solidFill>
+                <a:latin typeface="Consolas" panose="020B0609020204030204" pitchFamily="49" charset="0"/>
+              </a:rPr>
+              <a:t>(</a:t>
+            </a:r>
+            <a:r>
+              <a:rPr lang="fr-FR" sz="2400" b="1" dirty="0" err="1">
+                <a:solidFill>
+                  <a:srgbClr val="915500"/>
+                </a:solidFill>
+                <a:latin typeface="Consolas" panose="020B0609020204030204" pitchFamily="49" charset="0"/>
+              </a:rPr>
+              <a:t>response</a:t>
+            </a:r>
+            <a:r>
+              <a:rPr lang="fr-FR" sz="2400" b="1" dirty="0">
+                <a:solidFill>
+                  <a:srgbClr val="915500"/>
+                </a:solidFill>
+                <a:latin typeface="Consolas" panose="020B0609020204030204" pitchFamily="49" charset="0"/>
+              </a:rPr>
+              <a:t> ~ V1)</a:t>
+            </a:r>
+            <a:endParaRPr lang="en-GB" sz="2400" b="1" dirty="0">
+              <a:solidFill>
+                <a:srgbClr val="915500"/>
+              </a:solidFill>
+              <a:latin typeface="Consolas" panose="020B0609020204030204" pitchFamily="49" charset="0"/>
+            </a:endParaRPr>
+          </a:p>
+        </p:txBody>
+      </p:sp>
+      <p:sp>
+        <p:nvSpPr>
+          <p:cNvPr id="70" name="Rectangle 69">
+            <a:extLst>
+              <a:ext uri="{FF2B5EF4-FFF2-40B4-BE49-F238E27FC236}">
+                <a16:creationId xmlns:a16="http://schemas.microsoft.com/office/drawing/2014/main" id="{7C8774A5-A051-4C09-9B52-FB25BD6CD456}"/>
+              </a:ext>
+            </a:extLst>
+          </p:cNvPr>
+          <p:cNvSpPr/>
+          <p:nvPr/>
+        </p:nvSpPr>
+        <p:spPr>
+          <a:xfrm>
+            <a:off x="7460896" y="3459181"/>
+            <a:ext cx="3074467" cy="2071989"/>
+          </a:xfrm>
+          <a:prstGeom prst="rect">
+            <a:avLst/>
+          </a:prstGeom>
+          <a:noFill/>
+          <a:ln>
+            <a:noFill/>
+          </a:ln>
+        </p:spPr>
+        <p:style>
+          <a:lnRef idx="0">
+            <a:scrgbClr r="0" g="0" b="0"/>
+          </a:lnRef>
+          <a:fillRef idx="0">
+            <a:scrgbClr r="0" g="0" b="0"/>
+          </a:fillRef>
+          <a:effectRef idx="0">
+            <a:scrgbClr r="0" g="0" b="0"/>
+          </a:effectRef>
+          <a:fontRef idx="minor">
+            <a:schemeClr val="dk1"/>
+          </a:fontRef>
+        </p:style>
+        <p:txBody>
+          <a:bodyPr rtlCol="0" anchor="ctr"/>
+          <a:lstStyle/>
+          <a:p>
+            <a:pPr algn="ctr"/>
+            <a:r>
+              <a:rPr lang="fr-FR" sz="2800" b="1" dirty="0" err="1">
+                <a:solidFill>
+                  <a:srgbClr val="CD00B4"/>
+                </a:solidFill>
+                <a:latin typeface="Consolas" panose="020B0609020204030204" pitchFamily="49" charset="0"/>
+              </a:rPr>
+              <a:t>check_model</a:t>
+            </a:r>
+            <a:r>
+              <a:rPr lang="fr-FR" sz="2800" b="1" dirty="0">
+                <a:solidFill>
+                  <a:srgbClr val="CD00B4"/>
+                </a:solidFill>
+                <a:latin typeface="Consolas" panose="020B0609020204030204" pitchFamily="49" charset="0"/>
+              </a:rPr>
+              <a:t>()</a:t>
+            </a:r>
+          </a:p>
+          <a:p>
+            <a:pPr marL="342900" indent="-342900">
+              <a:buFont typeface="Wingdings" panose="05000000000000000000" pitchFamily="2" charset="2"/>
+              <a:buChar char="ü"/>
+            </a:pPr>
+            <a:r>
+              <a:rPr lang="fr-FR" i="1" dirty="0" err="1">
+                <a:latin typeface="Century Gothic" panose="020B0502020202020204" pitchFamily="34" charset="0"/>
+              </a:rPr>
+              <a:t>Linearity</a:t>
+            </a:r>
+            <a:endParaRPr lang="fr-FR" i="1" dirty="0">
+              <a:latin typeface="Century Gothic" panose="020B0502020202020204" pitchFamily="34" charset="0"/>
+            </a:endParaRPr>
+          </a:p>
+          <a:p>
+            <a:pPr marL="342900" indent="-342900">
+              <a:buFont typeface="Wingdings" panose="05000000000000000000" pitchFamily="2" charset="2"/>
+              <a:buChar char="ü"/>
+            </a:pPr>
+            <a:r>
+              <a:rPr lang="fr-FR" i="1" dirty="0" err="1">
+                <a:latin typeface="Century Gothic" panose="020B0502020202020204" pitchFamily="34" charset="0"/>
+              </a:rPr>
+              <a:t>Homogenity</a:t>
+            </a:r>
+            <a:endParaRPr lang="fr-FR" i="1" dirty="0">
+              <a:latin typeface="Century Gothic" panose="020B0502020202020204" pitchFamily="34" charset="0"/>
+            </a:endParaRPr>
+          </a:p>
+          <a:p>
+            <a:pPr marL="342900" indent="-342900">
+              <a:buFont typeface="Wingdings" panose="05000000000000000000" pitchFamily="2" charset="2"/>
+              <a:buChar char="ü"/>
+            </a:pPr>
+            <a:r>
+              <a:rPr lang="fr-FR" i="1" dirty="0" err="1">
+                <a:latin typeface="Century Gothic" panose="020B0502020202020204" pitchFamily="34" charset="0"/>
+              </a:rPr>
+              <a:t>Heteroscedasticity</a:t>
+            </a:r>
+            <a:endParaRPr lang="fr-FR" i="1" dirty="0">
+              <a:latin typeface="Century Gothic" panose="020B0502020202020204" pitchFamily="34" charset="0"/>
+            </a:endParaRPr>
+          </a:p>
+          <a:p>
+            <a:pPr marL="342900" indent="-342900">
+              <a:buFont typeface="Wingdings" panose="05000000000000000000" pitchFamily="2" charset="2"/>
+              <a:buChar char="ü"/>
+            </a:pPr>
+            <a:r>
+              <a:rPr lang="fr-FR" i="1" dirty="0" err="1">
+                <a:latin typeface="Century Gothic" panose="020B0502020202020204" pitchFamily="34" charset="0"/>
+              </a:rPr>
+              <a:t>Collinearity</a:t>
+            </a:r>
+            <a:endParaRPr lang="fr-FR" i="1" dirty="0">
+              <a:latin typeface="Century Gothic" panose="020B0502020202020204" pitchFamily="34" charset="0"/>
+            </a:endParaRPr>
+          </a:p>
+          <a:p>
+            <a:pPr marL="342900" indent="-342900">
+              <a:buFont typeface="Wingdings" panose="05000000000000000000" pitchFamily="2" charset="2"/>
+              <a:buChar char="ü"/>
+            </a:pPr>
+            <a:r>
+              <a:rPr lang="fr-FR" i="1" dirty="0" err="1">
+                <a:latin typeface="Century Gothic" panose="020B0502020202020204" pitchFamily="34" charset="0"/>
+              </a:rPr>
+              <a:t>Outliers</a:t>
+            </a:r>
+            <a:endParaRPr lang="fr-FR" i="1" dirty="0">
+              <a:latin typeface="Century Gothic" panose="020B0502020202020204" pitchFamily="34" charset="0"/>
+            </a:endParaRPr>
+          </a:p>
+          <a:p>
+            <a:pPr marL="342900" indent="-342900">
+              <a:buFont typeface="Wingdings" panose="05000000000000000000" pitchFamily="2" charset="2"/>
+              <a:buChar char="ü"/>
+            </a:pPr>
+            <a:r>
+              <a:rPr lang="fr-FR" i="1" dirty="0">
+                <a:latin typeface="Century Gothic" panose="020B0502020202020204" pitchFamily="34" charset="0"/>
+              </a:rPr>
+              <a:t>…</a:t>
+            </a:r>
+            <a:endParaRPr lang="en-GB" i="1" dirty="0">
+              <a:latin typeface="Century Gothic" panose="020B0502020202020204" pitchFamily="34" charset="0"/>
+            </a:endParaRPr>
+          </a:p>
+        </p:txBody>
+      </p:sp>
+      <p:cxnSp>
+        <p:nvCxnSpPr>
+          <p:cNvPr id="8" name="Straight Arrow Connector 7">
+            <a:extLst>
+              <a:ext uri="{FF2B5EF4-FFF2-40B4-BE49-F238E27FC236}">
+                <a16:creationId xmlns:a16="http://schemas.microsoft.com/office/drawing/2014/main" id="{39CFED15-C7BA-4916-91F0-32A6521CE73E}"/>
+              </a:ext>
+            </a:extLst>
+          </p:cNvPr>
+          <p:cNvCxnSpPr>
+            <a:cxnSpLocks/>
+            <a:stCxn id="6" idx="2"/>
+            <a:endCxn id="16" idx="0"/>
+          </p:cNvCxnSpPr>
+          <p:nvPr/>
+        </p:nvCxnSpPr>
+        <p:spPr>
+          <a:xfrm flipH="1">
+            <a:off x="1872052" y="2378597"/>
+            <a:ext cx="0" cy="1073416"/>
+          </a:xfrm>
+          <a:prstGeom prst="straightConnector1">
+            <a:avLst/>
+          </a:prstGeom>
+          <a:ln w="57150">
+            <a:tailEnd type="triangle"/>
+          </a:ln>
+        </p:spPr>
+        <p:style>
+          <a:lnRef idx="1">
+            <a:schemeClr val="dk1"/>
+          </a:lnRef>
+          <a:fillRef idx="0">
+            <a:schemeClr val="dk1"/>
+          </a:fillRef>
+          <a:effectRef idx="0">
+            <a:schemeClr val="dk1"/>
+          </a:effectRef>
+          <a:fontRef idx="minor">
+            <a:schemeClr val="tx1"/>
+          </a:fontRef>
+        </p:style>
+      </p:cxnSp>
+      <p:cxnSp>
+        <p:nvCxnSpPr>
+          <p:cNvPr id="22" name="Straight Arrow Connector 21">
+            <a:extLst>
+              <a:ext uri="{FF2B5EF4-FFF2-40B4-BE49-F238E27FC236}">
+                <a16:creationId xmlns:a16="http://schemas.microsoft.com/office/drawing/2014/main" id="{A1A5861A-5A10-4AF8-A2D6-35620DC4C415}"/>
+              </a:ext>
+            </a:extLst>
+          </p:cNvPr>
+          <p:cNvCxnSpPr>
+            <a:cxnSpLocks/>
+          </p:cNvCxnSpPr>
+          <p:nvPr/>
+        </p:nvCxnSpPr>
+        <p:spPr>
+          <a:xfrm flipH="1">
+            <a:off x="1868554" y="5253066"/>
+            <a:ext cx="195" cy="972000"/>
+          </a:xfrm>
+          <a:prstGeom prst="straightConnector1">
+            <a:avLst/>
+          </a:prstGeom>
+          <a:ln w="57150">
+            <a:tailEnd type="triangle"/>
+          </a:ln>
+        </p:spPr>
+        <p:style>
+          <a:lnRef idx="1">
+            <a:schemeClr val="dk1"/>
+          </a:lnRef>
+          <a:fillRef idx="0">
+            <a:schemeClr val="dk1"/>
+          </a:fillRef>
+          <a:effectRef idx="0">
+            <a:schemeClr val="dk1"/>
+          </a:effectRef>
+          <a:fontRef idx="minor">
+            <a:schemeClr val="tx1"/>
+          </a:fontRef>
+        </p:style>
+      </p:cxnSp>
+      <p:cxnSp>
+        <p:nvCxnSpPr>
+          <p:cNvPr id="69" name="Straight Arrow Connector 68">
+            <a:extLst>
+              <a:ext uri="{FF2B5EF4-FFF2-40B4-BE49-F238E27FC236}">
+                <a16:creationId xmlns:a16="http://schemas.microsoft.com/office/drawing/2014/main" id="{4DC8A176-68D9-4529-8003-B1A27784EF2F}"/>
+              </a:ext>
+            </a:extLst>
+          </p:cNvPr>
+          <p:cNvCxnSpPr>
+            <a:cxnSpLocks/>
+            <a:stCxn id="68" idx="2"/>
+            <a:endCxn id="70" idx="0"/>
+          </p:cNvCxnSpPr>
+          <p:nvPr/>
+        </p:nvCxnSpPr>
+        <p:spPr>
+          <a:xfrm flipH="1">
+            <a:off x="8998130" y="2375951"/>
+            <a:ext cx="1" cy="1083230"/>
+          </a:xfrm>
+          <a:prstGeom prst="straightConnector1">
+            <a:avLst/>
+          </a:prstGeom>
+          <a:ln w="57150">
+            <a:tailEnd type="triangle"/>
+          </a:ln>
+        </p:spPr>
+        <p:style>
+          <a:lnRef idx="1">
+            <a:schemeClr val="dk1"/>
+          </a:lnRef>
+          <a:fillRef idx="0">
+            <a:schemeClr val="dk1"/>
+          </a:fillRef>
+          <a:effectRef idx="0">
+            <a:schemeClr val="dk1"/>
+          </a:effectRef>
+          <a:fontRef idx="minor">
+            <a:schemeClr val="tx1"/>
+          </a:fontRef>
+        </p:style>
+      </p:cxnSp>
+      <p:cxnSp>
+        <p:nvCxnSpPr>
+          <p:cNvPr id="71" name="Straight Arrow Connector 70">
+            <a:extLst>
+              <a:ext uri="{FF2B5EF4-FFF2-40B4-BE49-F238E27FC236}">
+                <a16:creationId xmlns:a16="http://schemas.microsoft.com/office/drawing/2014/main" id="{2C30311C-01E4-47E6-967F-8E0BD16F5AE2}"/>
+              </a:ext>
+            </a:extLst>
+          </p:cNvPr>
+          <p:cNvCxnSpPr>
+            <a:cxnSpLocks/>
+          </p:cNvCxnSpPr>
+          <p:nvPr/>
+        </p:nvCxnSpPr>
+        <p:spPr>
+          <a:xfrm>
+            <a:off x="8998130" y="5253066"/>
+            <a:ext cx="0" cy="972000"/>
+          </a:xfrm>
+          <a:prstGeom prst="straightConnector1">
+            <a:avLst/>
+          </a:prstGeom>
+          <a:ln w="57150">
+            <a:tailEnd type="triangle"/>
+          </a:ln>
+        </p:spPr>
+        <p:style>
+          <a:lnRef idx="1">
+            <a:schemeClr val="dk1"/>
+          </a:lnRef>
+          <a:fillRef idx="0">
+            <a:schemeClr val="dk1"/>
+          </a:fillRef>
+          <a:effectRef idx="0">
+            <a:schemeClr val="dk1"/>
+          </a:effectRef>
+          <a:fontRef idx="minor">
+            <a:schemeClr val="tx1"/>
+          </a:fontRef>
+        </p:style>
+      </p:cxnSp>
+      <p:sp>
+        <p:nvSpPr>
+          <p:cNvPr id="79" name="Arc 78">
+            <a:extLst>
+              <a:ext uri="{FF2B5EF4-FFF2-40B4-BE49-F238E27FC236}">
+                <a16:creationId xmlns:a16="http://schemas.microsoft.com/office/drawing/2014/main" id="{C2548142-0471-4861-8BF2-5DFD02A49515}"/>
+              </a:ext>
+            </a:extLst>
+          </p:cNvPr>
+          <p:cNvSpPr/>
+          <p:nvPr/>
+        </p:nvSpPr>
+        <p:spPr>
+          <a:xfrm rot="16200000" flipH="1">
+            <a:off x="4455031" y="3212903"/>
+            <a:ext cx="4639390" cy="2118325"/>
+          </a:xfrm>
+          <a:prstGeom prst="arc">
+            <a:avLst>
+              <a:gd name="adj1" fmla="val 16678524"/>
+              <a:gd name="adj2" fmla="val 0"/>
+            </a:avLst>
+          </a:prstGeom>
+          <a:ln w="57150">
+            <a:headEnd type="triangle" w="med" len="med"/>
+            <a:tailEnd type="none" w="med" len="med"/>
+          </a:ln>
+        </p:spPr>
+        <p:style>
+          <a:lnRef idx="1">
+            <a:schemeClr val="dk1"/>
+          </a:lnRef>
+          <a:fillRef idx="0">
+            <a:schemeClr val="dk1"/>
+          </a:fillRef>
+          <a:effectRef idx="0">
+            <a:schemeClr val="dk1"/>
+          </a:effectRef>
+          <a:fontRef idx="minor">
+            <a:schemeClr val="tx1"/>
+          </a:fontRef>
+        </p:style>
+        <p:txBody>
+          <a:bodyPr rtlCol="0" anchor="ctr"/>
+          <a:lstStyle/>
+          <a:p>
+            <a:pPr algn="ctr"/>
+            <a:endParaRPr lang="en-GB"/>
+          </a:p>
+        </p:txBody>
+      </p:sp>
+      <p:cxnSp>
+        <p:nvCxnSpPr>
+          <p:cNvPr id="23" name="Straight Arrow Connector 22">
+            <a:extLst>
+              <a:ext uri="{FF2B5EF4-FFF2-40B4-BE49-F238E27FC236}">
+                <a16:creationId xmlns:a16="http://schemas.microsoft.com/office/drawing/2014/main" id="{E9B5B556-74BB-4A54-8DA3-C20EE18406A9}"/>
+              </a:ext>
+            </a:extLst>
+          </p:cNvPr>
+          <p:cNvCxnSpPr>
+            <a:cxnSpLocks/>
+            <a:endCxn id="36" idx="0"/>
+          </p:cNvCxnSpPr>
+          <p:nvPr/>
+        </p:nvCxnSpPr>
+        <p:spPr>
+          <a:xfrm>
+            <a:off x="5399878" y="4488007"/>
+            <a:ext cx="1" cy="3297246"/>
+          </a:xfrm>
+          <a:prstGeom prst="straightConnector1">
+            <a:avLst/>
+          </a:prstGeom>
+          <a:ln w="57150">
+            <a:tailEnd type="triangle"/>
+          </a:ln>
+        </p:spPr>
+        <p:style>
+          <a:lnRef idx="1">
+            <a:schemeClr val="dk1"/>
+          </a:lnRef>
+          <a:fillRef idx="0">
+            <a:schemeClr val="dk1"/>
+          </a:fillRef>
+          <a:effectRef idx="0">
+            <a:schemeClr val="dk1"/>
+          </a:effectRef>
+          <a:fontRef idx="minor">
+            <a:schemeClr val="tx1"/>
+          </a:fontRef>
+        </p:style>
+      </p:cxnSp>
+      <p:sp>
+        <p:nvSpPr>
+          <p:cNvPr id="27" name="Arc 26">
+            <a:extLst>
+              <a:ext uri="{FF2B5EF4-FFF2-40B4-BE49-F238E27FC236}">
+                <a16:creationId xmlns:a16="http://schemas.microsoft.com/office/drawing/2014/main" id="{CA246F51-7592-495A-8B66-A2D6CBE26335}"/>
+              </a:ext>
+            </a:extLst>
+          </p:cNvPr>
+          <p:cNvSpPr/>
+          <p:nvPr/>
+        </p:nvSpPr>
+        <p:spPr>
+          <a:xfrm rot="5400000">
+            <a:off x="1705336" y="3212903"/>
+            <a:ext cx="4639390" cy="2118325"/>
+          </a:xfrm>
+          <a:prstGeom prst="arc">
+            <a:avLst>
+              <a:gd name="adj1" fmla="val 16678524"/>
+              <a:gd name="adj2" fmla="val 0"/>
+            </a:avLst>
+          </a:prstGeom>
+          <a:ln w="57150">
+            <a:headEnd type="triangle" w="med" len="med"/>
+            <a:tailEnd type="none" w="med" len="med"/>
+          </a:ln>
+        </p:spPr>
+        <p:style>
+          <a:lnRef idx="1">
+            <a:schemeClr val="dk1"/>
+          </a:lnRef>
+          <a:fillRef idx="0">
+            <a:schemeClr val="dk1"/>
+          </a:fillRef>
+          <a:effectRef idx="0">
+            <a:schemeClr val="dk1"/>
+          </a:effectRef>
+          <a:fontRef idx="minor">
+            <a:schemeClr val="tx1"/>
+          </a:fontRef>
+        </p:style>
+        <p:txBody>
+          <a:bodyPr rtlCol="0" anchor="ctr"/>
+          <a:lstStyle/>
+          <a:p>
+            <a:pPr algn="ctr"/>
+            <a:endParaRPr lang="en-GB"/>
+          </a:p>
+        </p:txBody>
+      </p:sp>
+    </p:spTree>
+    <p:extLst>
+      <p:ext uri="{BB962C8B-B14F-4D97-AF65-F5344CB8AC3E}">
+        <p14:creationId xmlns:p14="http://schemas.microsoft.com/office/powerpoint/2010/main" val="2030242158"/>
+      </p:ext>
+    </p:extLst>
+  </p:cSld>
+  <p:clrMapOvr>
+    <a:masterClrMapping/>
+  </p:clrMapOvr>
+</p:sld>
+</file>
+
 <file path=ppt/theme/theme1.xml><?xml version="1.0" encoding="utf-8"?>
 <a:theme xmlns:a="http://schemas.openxmlformats.org/drawingml/2006/main" name="Office Theme">
   <a:themeElements>
